--- a/2021180042_한진우 1차 발표.pptx
+++ b/2021180042_한진우 1차 발표.pptx
@@ -108,7 +108,20 @@
       </a:defRPr>
     </a:lvl9pPr>
   </p:defaultTextStyle>
+  <p:extLst>
+    <p:ext uri="{EFAFB233-063F-42B5-8137-9DF3F51BA10A}">
+      <p15:sldGuideLst xmlns:p15="http://schemas.microsoft.com/office/powerpoint/2012/main"/>
+    </p:ext>
+  </p:extLst>
 </p:presentation>
+</file>
+
+<file path=ppt/revisionInfo.xml><?xml version="1.0" encoding="utf-8"?>
+<p1510:revInfo xmlns:a="http://schemas.openxmlformats.org/drawingml/2006/main" xmlns:r="http://schemas.openxmlformats.org/officeDocument/2006/relationships" xmlns:p1510="http://schemas.microsoft.com/office/powerpoint/2015/10/main">
+  <p1510:revLst>
+    <p1510:client id="{114D7143-4C1F-4F65-9A20-0619F4A10E9C}" v="53" dt="2024-10-13T15:18:38.912"/>
+  </p1510:revLst>
+</p1510:revInfo>
 </file>
 
 <file path=ppt/slideLayouts/slideLayout1.xml><?xml version="1.0" encoding="utf-8"?>
@@ -258,7 +271,7 @@
           <a:p>
             <a:fld id="{3607E7B2-F448-4C9B-9490-B10F5F0BF21F}" type="datetimeFigureOut">
               <a:rPr lang="ko-KR" altLang="en-US" smtClean="0"/>
-              <a:t>2024-10-13</a:t>
+              <a:t>2024-10-14</a:t>
             </a:fld>
             <a:endParaRPr lang="ko-KR" altLang="en-US"/>
           </a:p>
@@ -456,7 +469,7 @@
           <a:p>
             <a:fld id="{3607E7B2-F448-4C9B-9490-B10F5F0BF21F}" type="datetimeFigureOut">
               <a:rPr lang="ko-KR" altLang="en-US" smtClean="0"/>
-              <a:t>2024-10-13</a:t>
+              <a:t>2024-10-14</a:t>
             </a:fld>
             <a:endParaRPr lang="ko-KR" altLang="en-US"/>
           </a:p>
@@ -664,7 +677,7 @@
           <a:p>
             <a:fld id="{3607E7B2-F448-4C9B-9490-B10F5F0BF21F}" type="datetimeFigureOut">
               <a:rPr lang="ko-KR" altLang="en-US" smtClean="0"/>
-              <a:t>2024-10-13</a:t>
+              <a:t>2024-10-14</a:t>
             </a:fld>
             <a:endParaRPr lang="ko-KR" altLang="en-US"/>
           </a:p>
@@ -862,7 +875,7 @@
           <a:p>
             <a:fld id="{3607E7B2-F448-4C9B-9490-B10F5F0BF21F}" type="datetimeFigureOut">
               <a:rPr lang="ko-KR" altLang="en-US" smtClean="0"/>
-              <a:t>2024-10-13</a:t>
+              <a:t>2024-10-14</a:t>
             </a:fld>
             <a:endParaRPr lang="ko-KR" altLang="en-US"/>
           </a:p>
@@ -1137,7 +1150,7 @@
           <a:p>
             <a:fld id="{3607E7B2-F448-4C9B-9490-B10F5F0BF21F}" type="datetimeFigureOut">
               <a:rPr lang="ko-KR" altLang="en-US" smtClean="0"/>
-              <a:t>2024-10-13</a:t>
+              <a:t>2024-10-14</a:t>
             </a:fld>
             <a:endParaRPr lang="ko-KR" altLang="en-US"/>
           </a:p>
@@ -1402,7 +1415,7 @@
           <a:p>
             <a:fld id="{3607E7B2-F448-4C9B-9490-B10F5F0BF21F}" type="datetimeFigureOut">
               <a:rPr lang="ko-KR" altLang="en-US" smtClean="0"/>
-              <a:t>2024-10-13</a:t>
+              <a:t>2024-10-14</a:t>
             </a:fld>
             <a:endParaRPr lang="ko-KR" altLang="en-US"/>
           </a:p>
@@ -1814,7 +1827,7 @@
           <a:p>
             <a:fld id="{3607E7B2-F448-4C9B-9490-B10F5F0BF21F}" type="datetimeFigureOut">
               <a:rPr lang="ko-KR" altLang="en-US" smtClean="0"/>
-              <a:t>2024-10-13</a:t>
+              <a:t>2024-10-14</a:t>
             </a:fld>
             <a:endParaRPr lang="ko-KR" altLang="en-US"/>
           </a:p>
@@ -1955,7 +1968,7 @@
           <a:p>
             <a:fld id="{3607E7B2-F448-4C9B-9490-B10F5F0BF21F}" type="datetimeFigureOut">
               <a:rPr lang="ko-KR" altLang="en-US" smtClean="0"/>
-              <a:t>2024-10-13</a:t>
+              <a:t>2024-10-14</a:t>
             </a:fld>
             <a:endParaRPr lang="ko-KR" altLang="en-US"/>
           </a:p>
@@ -2068,7 +2081,7 @@
           <a:p>
             <a:fld id="{3607E7B2-F448-4C9B-9490-B10F5F0BF21F}" type="datetimeFigureOut">
               <a:rPr lang="ko-KR" altLang="en-US" smtClean="0"/>
-              <a:t>2024-10-13</a:t>
+              <a:t>2024-10-14</a:t>
             </a:fld>
             <a:endParaRPr lang="ko-KR" altLang="en-US"/>
           </a:p>
@@ -2379,7 +2392,7 @@
           <a:p>
             <a:fld id="{3607E7B2-F448-4C9B-9490-B10F5F0BF21F}" type="datetimeFigureOut">
               <a:rPr lang="ko-KR" altLang="en-US" smtClean="0"/>
-              <a:t>2024-10-13</a:t>
+              <a:t>2024-10-14</a:t>
             </a:fld>
             <a:endParaRPr lang="ko-KR" altLang="en-US"/>
           </a:p>
@@ -2667,7 +2680,7 @@
           <a:p>
             <a:fld id="{3607E7B2-F448-4C9B-9490-B10F5F0BF21F}" type="datetimeFigureOut">
               <a:rPr lang="ko-KR" altLang="en-US" smtClean="0"/>
-              <a:t>2024-10-13</a:t>
+              <a:t>2024-10-14</a:t>
             </a:fld>
             <a:endParaRPr lang="ko-KR" altLang="en-US"/>
           </a:p>
@@ -2908,7 +2921,7 @@
           <a:p>
             <a:fld id="{3607E7B2-F448-4C9B-9490-B10F5F0BF21F}" type="datetimeFigureOut">
               <a:rPr lang="ko-KR" altLang="en-US" smtClean="0"/>
-              <a:t>2024-10-13</a:t>
+              <a:t>2024-10-14</a:t>
             </a:fld>
             <a:endParaRPr lang="ko-KR" altLang="en-US"/>
           </a:p>
@@ -4068,8 +4081,8 @@
         </p:nvSpPr>
         <p:spPr>
           <a:xfrm>
-            <a:off x="838200" y="365125"/>
-            <a:ext cx="10515600" cy="1325563"/>
+            <a:off x="1061481" y="440818"/>
+            <a:ext cx="10515600" cy="1198601"/>
           </a:xfrm>
         </p:spPr>
         <p:txBody>
@@ -4096,11 +4109,6 @@
               <a:rPr lang="ko-KR" altLang="en-US" dirty="0"/>
               <a:t> 예상 게임 흐름</a:t>
             </a:r>
-            <a:r>
-              <a:rPr lang="en-US" altLang="ko-KR" dirty="0"/>
-              <a:t>	</a:t>
-            </a:r>
-            <a:endParaRPr lang="ko-KR" altLang="en-US" dirty="0"/>
           </a:p>
         </p:txBody>
       </p:sp>
@@ -4135,8 +4143,8 @@
         </p:blipFill>
         <p:spPr bwMode="auto">
           <a:xfrm>
-            <a:off x="389313" y="3622948"/>
-            <a:ext cx="5122025" cy="2881139"/>
+            <a:off x="289560" y="1761196"/>
+            <a:ext cx="5929968" cy="3335607"/>
           </a:xfrm>
           <a:noFill/>
           <a:extLst>
@@ -4150,6 +4158,82 @@
           </a:extLst>
         </p:spPr>
       </p:pic>
+      <p:sp>
+        <p:nvSpPr>
+          <p:cNvPr id="4" name="TextBox 3">
+            <a:extLst>
+              <a:ext uri="{FF2B5EF4-FFF2-40B4-BE49-F238E27FC236}">
+                <a16:creationId xmlns:a16="http://schemas.microsoft.com/office/drawing/2014/main" id="{61C3167D-987B-A9DF-EF8B-70908EF0103F}"/>
+              </a:ext>
+            </a:extLst>
+          </p:cNvPr>
+          <p:cNvSpPr txBox="1"/>
+          <p:nvPr/>
+        </p:nvSpPr>
+        <p:spPr>
+          <a:xfrm>
+            <a:off x="6544887" y="3554860"/>
+            <a:ext cx="5257800" cy="2862322"/>
+          </a:xfrm>
+          <a:prstGeom prst="rect">
+            <a:avLst/>
+          </a:prstGeom>
+          <a:noFill/>
+        </p:spPr>
+        <p:txBody>
+          <a:bodyPr wrap="square">
+            <a:spAutoFit/>
+          </a:bodyPr>
+          <a:lstStyle/>
+          <a:p>
+            <a:r>
+              <a:rPr lang="ko-KR" altLang="en-US" dirty="0"/>
+              <a:t>우측 하단에 제한시간이 표시되며 우측 상단에 주문과 요리가 나온다</a:t>
+            </a:r>
+            <a:r>
+              <a:rPr lang="en-US" altLang="ko-KR" dirty="0"/>
+              <a:t>. </a:t>
+            </a:r>
+            <a:r>
+              <a:rPr lang="ko-KR" altLang="en-US" dirty="0"/>
+              <a:t>좌측 하단에는 완료된 주문의 개수에 따라 점수가 매출로 나타난다</a:t>
+            </a:r>
+            <a:r>
+              <a:rPr lang="en-US" altLang="ko-KR" dirty="0"/>
+              <a:t>.</a:t>
+            </a:r>
+          </a:p>
+          <a:p>
+            <a:endParaRPr lang="en-US" altLang="ko-KR" dirty="0"/>
+          </a:p>
+          <a:p>
+            <a:r>
+              <a:rPr lang="ko-KR" altLang="en-US" dirty="0"/>
+              <a:t>주방의 형태는 레벨마다 다르며 조리대와 재료가 나오는 상자가 있다</a:t>
+            </a:r>
+            <a:r>
+              <a:rPr lang="en-US" altLang="ko-KR" dirty="0"/>
+              <a:t>.</a:t>
+            </a:r>
+          </a:p>
+          <a:p>
+            <a:endParaRPr lang="en-US" altLang="ko-KR" dirty="0"/>
+          </a:p>
+          <a:p>
+            <a:r>
+              <a:rPr lang="ko-KR" altLang="en-US" dirty="0"/>
+              <a:t>각 레벨에서 기준치 이상 매출을 올리면 클리어</a:t>
+            </a:r>
+            <a:endParaRPr lang="en-US" altLang="ko-KR" dirty="0"/>
+          </a:p>
+          <a:p>
+            <a:endParaRPr lang="en-US" altLang="ko-KR" dirty="0"/>
+          </a:p>
+          <a:p>
+            <a:endParaRPr lang="ko-KR" altLang="en-US" dirty="0"/>
+          </a:p>
+        </p:txBody>
+      </p:sp>
     </p:spTree>
     <p:extLst>
       <p:ext uri="{BB962C8B-B14F-4D97-AF65-F5344CB8AC3E}">

--- a/2021180042_한진우 1차 발표.pptx
+++ b/2021180042_한진우 1차 발표.pptx
@@ -4,6 +4,9 @@
   <p:sldMasterIdLst>
     <p:sldMasterId id="2147483648" r:id="rId1"/>
   </p:sldMasterIdLst>
+  <p:notesMasterIdLst>
+    <p:notesMasterId r:id="rId7"/>
+  </p:notesMasterIdLst>
   <p:sldIdLst>
     <p:sldId id="256" r:id="rId2"/>
     <p:sldId id="257" r:id="rId3"/>
@@ -122,6 +125,439 @@
     <p1510:client id="{114D7143-4C1F-4F65-9A20-0619F4A10E9C}" v="53" dt="2024-10-13T15:18:38.912"/>
   </p1510:revLst>
 </p1510:revInfo>
+</file>
+
+<file path=ppt/notesMasters/notesMaster1.xml><?xml version="1.0" encoding="utf-8"?>
+<p:notesMaster xmlns:a="http://schemas.openxmlformats.org/drawingml/2006/main" xmlns:r="http://schemas.openxmlformats.org/officeDocument/2006/relationships" xmlns:p="http://schemas.openxmlformats.org/presentationml/2006/main">
+  <p:cSld>
+    <p:bg>
+      <p:bgRef idx="1001">
+        <a:schemeClr val="bg1"/>
+      </p:bgRef>
+    </p:bg>
+    <p:spTree>
+      <p:nvGrpSpPr>
+        <p:cNvPr id="1" name=""/>
+        <p:cNvGrpSpPr/>
+        <p:nvPr/>
+      </p:nvGrpSpPr>
+      <p:grpSpPr>
+        <a:xfrm>
+          <a:off x="0" y="0"/>
+          <a:ext cx="0" cy="0"/>
+          <a:chOff x="0" y="0"/>
+          <a:chExt cx="0" cy="0"/>
+        </a:xfrm>
+      </p:grpSpPr>
+      <p:sp>
+        <p:nvSpPr>
+          <p:cNvPr id="2" name="머리글 개체 틀 1"/>
+          <p:cNvSpPr>
+            <a:spLocks noGrp="1"/>
+          </p:cNvSpPr>
+          <p:nvPr>
+            <p:ph type="hdr" sz="quarter"/>
+          </p:nvPr>
+        </p:nvSpPr>
+        <p:spPr>
+          <a:xfrm>
+            <a:off x="0" y="0"/>
+            <a:ext cx="2971800" cy="458788"/>
+          </a:xfrm>
+          <a:prstGeom prst="rect">
+            <a:avLst/>
+          </a:prstGeom>
+        </p:spPr>
+        <p:txBody>
+          <a:bodyPr vert="horz" lIns="91440" tIns="45720" rIns="91440" bIns="45720" rtlCol="0"/>
+          <a:lstStyle>
+            <a:lvl1pPr algn="l">
+              <a:defRPr sz="1200"/>
+            </a:lvl1pPr>
+          </a:lstStyle>
+          <a:p>
+            <a:endParaRPr lang="ko-KR" altLang="en-US"/>
+          </a:p>
+        </p:txBody>
+      </p:sp>
+      <p:sp>
+        <p:nvSpPr>
+          <p:cNvPr id="3" name="날짜 개체 틀 2"/>
+          <p:cNvSpPr>
+            <a:spLocks noGrp="1"/>
+          </p:cNvSpPr>
+          <p:nvPr>
+            <p:ph type="dt" idx="1"/>
+          </p:nvPr>
+        </p:nvSpPr>
+        <p:spPr>
+          <a:xfrm>
+            <a:off x="3884613" y="0"/>
+            <a:ext cx="2971800" cy="458788"/>
+          </a:xfrm>
+          <a:prstGeom prst="rect">
+            <a:avLst/>
+          </a:prstGeom>
+        </p:spPr>
+        <p:txBody>
+          <a:bodyPr vert="horz" lIns="91440" tIns="45720" rIns="91440" bIns="45720" rtlCol="0"/>
+          <a:lstStyle>
+            <a:lvl1pPr algn="r">
+              <a:defRPr sz="1200"/>
+            </a:lvl1pPr>
+          </a:lstStyle>
+          <a:p>
+            <a:fld id="{A28DFC61-8A81-4006-95FA-7F8D3BDAD257}" type="datetimeFigureOut">
+              <a:rPr lang="ko-KR" altLang="en-US" smtClean="0"/>
+              <a:t>2024-10-14</a:t>
+            </a:fld>
+            <a:endParaRPr lang="ko-KR" altLang="en-US"/>
+          </a:p>
+        </p:txBody>
+      </p:sp>
+      <p:sp>
+        <p:nvSpPr>
+          <p:cNvPr id="4" name="슬라이드 이미지 개체 틀 3"/>
+          <p:cNvSpPr>
+            <a:spLocks noGrp="1" noRot="1" noChangeAspect="1"/>
+          </p:cNvSpPr>
+          <p:nvPr>
+            <p:ph type="sldImg" idx="2"/>
+          </p:nvPr>
+        </p:nvSpPr>
+        <p:spPr>
+          <a:xfrm>
+            <a:off x="685800" y="1143000"/>
+            <a:ext cx="5486400" cy="3086100"/>
+          </a:xfrm>
+          <a:prstGeom prst="rect">
+            <a:avLst/>
+          </a:prstGeom>
+          <a:noFill/>
+          <a:ln w="12700">
+            <a:solidFill>
+              <a:prstClr val="black"/>
+            </a:solidFill>
+          </a:ln>
+        </p:spPr>
+        <p:txBody>
+          <a:bodyPr vert="horz" lIns="91440" tIns="45720" rIns="91440" bIns="45720" rtlCol="0" anchor="ctr"/>
+          <a:lstStyle/>
+          <a:p>
+            <a:endParaRPr lang="ko-KR" altLang="en-US"/>
+          </a:p>
+        </p:txBody>
+      </p:sp>
+      <p:sp>
+        <p:nvSpPr>
+          <p:cNvPr id="5" name="슬라이드 노트 개체 틀 4"/>
+          <p:cNvSpPr>
+            <a:spLocks noGrp="1"/>
+          </p:cNvSpPr>
+          <p:nvPr>
+            <p:ph type="body" sz="quarter" idx="3"/>
+          </p:nvPr>
+        </p:nvSpPr>
+        <p:spPr>
+          <a:xfrm>
+            <a:off x="685800" y="4400550"/>
+            <a:ext cx="5486400" cy="3600450"/>
+          </a:xfrm>
+          <a:prstGeom prst="rect">
+            <a:avLst/>
+          </a:prstGeom>
+        </p:spPr>
+        <p:txBody>
+          <a:bodyPr vert="horz" lIns="91440" tIns="45720" rIns="91440" bIns="45720" rtlCol="0"/>
+          <a:lstStyle/>
+          <a:p>
+            <a:pPr lvl="0"/>
+            <a:r>
+              <a:rPr lang="ko-KR" altLang="en-US"/>
+              <a:t>마스터 텍스트 스타일을 편집하려면 클릭</a:t>
+            </a:r>
+          </a:p>
+          <a:p>
+            <a:pPr lvl="1"/>
+            <a:r>
+              <a:rPr lang="ko-KR" altLang="en-US"/>
+              <a:t>두 번째 수준</a:t>
+            </a:r>
+          </a:p>
+          <a:p>
+            <a:pPr lvl="2"/>
+            <a:r>
+              <a:rPr lang="ko-KR" altLang="en-US"/>
+              <a:t>세 번째 수준</a:t>
+            </a:r>
+          </a:p>
+          <a:p>
+            <a:pPr lvl="3"/>
+            <a:r>
+              <a:rPr lang="ko-KR" altLang="en-US"/>
+              <a:t>네 번째 수준</a:t>
+            </a:r>
+          </a:p>
+          <a:p>
+            <a:pPr lvl="4"/>
+            <a:r>
+              <a:rPr lang="ko-KR" altLang="en-US"/>
+              <a:t>다섯 번째 수준</a:t>
+            </a:r>
+          </a:p>
+        </p:txBody>
+      </p:sp>
+      <p:sp>
+        <p:nvSpPr>
+          <p:cNvPr id="6" name="바닥글 개체 틀 5"/>
+          <p:cNvSpPr>
+            <a:spLocks noGrp="1"/>
+          </p:cNvSpPr>
+          <p:nvPr>
+            <p:ph type="ftr" sz="quarter" idx="4"/>
+          </p:nvPr>
+        </p:nvSpPr>
+        <p:spPr>
+          <a:xfrm>
+            <a:off x="0" y="8685213"/>
+            <a:ext cx="2971800" cy="458787"/>
+          </a:xfrm>
+          <a:prstGeom prst="rect">
+            <a:avLst/>
+          </a:prstGeom>
+        </p:spPr>
+        <p:txBody>
+          <a:bodyPr vert="horz" lIns="91440" tIns="45720" rIns="91440" bIns="45720" rtlCol="0" anchor="b"/>
+          <a:lstStyle>
+            <a:lvl1pPr algn="l">
+              <a:defRPr sz="1200"/>
+            </a:lvl1pPr>
+          </a:lstStyle>
+          <a:p>
+            <a:endParaRPr lang="ko-KR" altLang="en-US"/>
+          </a:p>
+        </p:txBody>
+      </p:sp>
+      <p:sp>
+        <p:nvSpPr>
+          <p:cNvPr id="7" name="슬라이드 번호 개체 틀 6"/>
+          <p:cNvSpPr>
+            <a:spLocks noGrp="1"/>
+          </p:cNvSpPr>
+          <p:nvPr>
+            <p:ph type="sldNum" sz="quarter" idx="5"/>
+          </p:nvPr>
+        </p:nvSpPr>
+        <p:spPr>
+          <a:xfrm>
+            <a:off x="3884613" y="8685213"/>
+            <a:ext cx="2971800" cy="458787"/>
+          </a:xfrm>
+          <a:prstGeom prst="rect">
+            <a:avLst/>
+          </a:prstGeom>
+        </p:spPr>
+        <p:txBody>
+          <a:bodyPr vert="horz" lIns="91440" tIns="45720" rIns="91440" bIns="45720" rtlCol="0" anchor="b"/>
+          <a:lstStyle>
+            <a:lvl1pPr algn="r">
+              <a:defRPr sz="1200"/>
+            </a:lvl1pPr>
+          </a:lstStyle>
+          <a:p>
+            <a:fld id="{96F93190-E84E-4464-8976-13D7DC415188}" type="slidenum">
+              <a:rPr lang="ko-KR" altLang="en-US" smtClean="0"/>
+              <a:t>‹#›</a:t>
+            </a:fld>
+            <a:endParaRPr lang="ko-KR" altLang="en-US"/>
+          </a:p>
+        </p:txBody>
+      </p:sp>
+    </p:spTree>
+    <p:extLst>
+      <p:ext uri="{BB962C8B-B14F-4D97-AF65-F5344CB8AC3E}">
+        <p14:creationId xmlns:p14="http://schemas.microsoft.com/office/powerpoint/2010/main" val="3344206569"/>
+      </p:ext>
+    </p:extLst>
+  </p:cSld>
+  <p:clrMap bg1="lt1" tx1="dk1" bg2="lt2" tx2="dk2" accent1="accent1" accent2="accent2" accent3="accent3" accent4="accent4" accent5="accent5" accent6="accent6" hlink="hlink" folHlink="folHlink"/>
+  <p:notesStyle>
+    <a:lvl1pPr marL="0" algn="l" defTabSz="914400" rtl="0" eaLnBrk="1" latinLnBrk="1" hangingPunct="1">
+      <a:defRPr sz="1200" kern="1200">
+        <a:solidFill>
+          <a:schemeClr val="tx1"/>
+        </a:solidFill>
+        <a:latin typeface="+mn-lt"/>
+        <a:ea typeface="+mn-ea"/>
+        <a:cs typeface="+mn-cs"/>
+      </a:defRPr>
+    </a:lvl1pPr>
+    <a:lvl2pPr marL="457200" algn="l" defTabSz="914400" rtl="0" eaLnBrk="1" latinLnBrk="1" hangingPunct="1">
+      <a:defRPr sz="1200" kern="1200">
+        <a:solidFill>
+          <a:schemeClr val="tx1"/>
+        </a:solidFill>
+        <a:latin typeface="+mn-lt"/>
+        <a:ea typeface="+mn-ea"/>
+        <a:cs typeface="+mn-cs"/>
+      </a:defRPr>
+    </a:lvl2pPr>
+    <a:lvl3pPr marL="914400" algn="l" defTabSz="914400" rtl="0" eaLnBrk="1" latinLnBrk="1" hangingPunct="1">
+      <a:defRPr sz="1200" kern="1200">
+        <a:solidFill>
+          <a:schemeClr val="tx1"/>
+        </a:solidFill>
+        <a:latin typeface="+mn-lt"/>
+        <a:ea typeface="+mn-ea"/>
+        <a:cs typeface="+mn-cs"/>
+      </a:defRPr>
+    </a:lvl3pPr>
+    <a:lvl4pPr marL="1371600" algn="l" defTabSz="914400" rtl="0" eaLnBrk="1" latinLnBrk="1" hangingPunct="1">
+      <a:defRPr sz="1200" kern="1200">
+        <a:solidFill>
+          <a:schemeClr val="tx1"/>
+        </a:solidFill>
+        <a:latin typeface="+mn-lt"/>
+        <a:ea typeface="+mn-ea"/>
+        <a:cs typeface="+mn-cs"/>
+      </a:defRPr>
+    </a:lvl4pPr>
+    <a:lvl5pPr marL="1828800" algn="l" defTabSz="914400" rtl="0" eaLnBrk="1" latinLnBrk="1" hangingPunct="1">
+      <a:defRPr sz="1200" kern="1200">
+        <a:solidFill>
+          <a:schemeClr val="tx1"/>
+        </a:solidFill>
+        <a:latin typeface="+mn-lt"/>
+        <a:ea typeface="+mn-ea"/>
+        <a:cs typeface="+mn-cs"/>
+      </a:defRPr>
+    </a:lvl5pPr>
+    <a:lvl6pPr marL="2286000" algn="l" defTabSz="914400" rtl="0" eaLnBrk="1" latinLnBrk="1" hangingPunct="1">
+      <a:defRPr sz="1200" kern="1200">
+        <a:solidFill>
+          <a:schemeClr val="tx1"/>
+        </a:solidFill>
+        <a:latin typeface="+mn-lt"/>
+        <a:ea typeface="+mn-ea"/>
+        <a:cs typeface="+mn-cs"/>
+      </a:defRPr>
+    </a:lvl6pPr>
+    <a:lvl7pPr marL="2743200" algn="l" defTabSz="914400" rtl="0" eaLnBrk="1" latinLnBrk="1" hangingPunct="1">
+      <a:defRPr sz="1200" kern="1200">
+        <a:solidFill>
+          <a:schemeClr val="tx1"/>
+        </a:solidFill>
+        <a:latin typeface="+mn-lt"/>
+        <a:ea typeface="+mn-ea"/>
+        <a:cs typeface="+mn-cs"/>
+      </a:defRPr>
+    </a:lvl7pPr>
+    <a:lvl8pPr marL="3200400" algn="l" defTabSz="914400" rtl="0" eaLnBrk="1" latinLnBrk="1" hangingPunct="1">
+      <a:defRPr sz="1200" kern="1200">
+        <a:solidFill>
+          <a:schemeClr val="tx1"/>
+        </a:solidFill>
+        <a:latin typeface="+mn-lt"/>
+        <a:ea typeface="+mn-ea"/>
+        <a:cs typeface="+mn-cs"/>
+      </a:defRPr>
+    </a:lvl8pPr>
+    <a:lvl9pPr marL="3657600" algn="l" defTabSz="914400" rtl="0" eaLnBrk="1" latinLnBrk="1" hangingPunct="1">
+      <a:defRPr sz="1200" kern="1200">
+        <a:solidFill>
+          <a:schemeClr val="tx1"/>
+        </a:solidFill>
+        <a:latin typeface="+mn-lt"/>
+        <a:ea typeface="+mn-ea"/>
+        <a:cs typeface="+mn-cs"/>
+      </a:defRPr>
+    </a:lvl9pPr>
+  </p:notesStyle>
+</p:notesMaster>
+</file>
+
+<file path=ppt/notesSlides/notesSlide1.xml><?xml version="1.0" encoding="utf-8"?>
+<p:notes xmlns:a="http://schemas.openxmlformats.org/drawingml/2006/main" xmlns:r="http://schemas.openxmlformats.org/officeDocument/2006/relationships" xmlns:p="http://schemas.openxmlformats.org/presentationml/2006/main">
+  <p:cSld>
+    <p:spTree>
+      <p:nvGrpSpPr>
+        <p:cNvPr id="1" name=""/>
+        <p:cNvGrpSpPr/>
+        <p:nvPr/>
+      </p:nvGrpSpPr>
+      <p:grpSpPr>
+        <a:xfrm>
+          <a:off x="0" y="0"/>
+          <a:ext cx="0" cy="0"/>
+          <a:chOff x="0" y="0"/>
+          <a:chExt cx="0" cy="0"/>
+        </a:xfrm>
+      </p:grpSpPr>
+      <p:sp>
+        <p:nvSpPr>
+          <p:cNvPr id="2" name="슬라이드 이미지 개체 틀 1"/>
+          <p:cNvSpPr>
+            <a:spLocks noGrp="1" noRot="1" noChangeAspect="1"/>
+          </p:cNvSpPr>
+          <p:nvPr>
+            <p:ph type="sldImg"/>
+          </p:nvPr>
+        </p:nvSpPr>
+        <p:spPr/>
+      </p:sp>
+      <p:sp>
+        <p:nvSpPr>
+          <p:cNvPr id="3" name="슬라이드 노트 개체 틀 2"/>
+          <p:cNvSpPr>
+            <a:spLocks noGrp="1"/>
+          </p:cNvSpPr>
+          <p:nvPr>
+            <p:ph type="body" idx="1"/>
+          </p:nvPr>
+        </p:nvSpPr>
+        <p:spPr/>
+        <p:txBody>
+          <a:bodyPr/>
+          <a:lstStyle/>
+          <a:p>
+            <a:endParaRPr lang="ko-KR" altLang="en-US"/>
+          </a:p>
+        </p:txBody>
+      </p:sp>
+      <p:sp>
+        <p:nvSpPr>
+          <p:cNvPr id="4" name="슬라이드 번호 개체 틀 3"/>
+          <p:cNvSpPr>
+            <a:spLocks noGrp="1"/>
+          </p:cNvSpPr>
+          <p:nvPr>
+            <p:ph type="sldNum" sz="quarter" idx="5"/>
+          </p:nvPr>
+        </p:nvSpPr>
+        <p:spPr/>
+        <p:txBody>
+          <a:bodyPr/>
+          <a:lstStyle/>
+          <a:p>
+            <a:fld id="{96F93190-E84E-4464-8976-13D7DC415188}" type="slidenum">
+              <a:rPr lang="ko-KR" altLang="en-US" smtClean="0"/>
+              <a:t>1</a:t>
+            </a:fld>
+            <a:endParaRPr lang="ko-KR" altLang="en-US"/>
+          </a:p>
+        </p:txBody>
+      </p:sp>
+    </p:spTree>
+    <p:extLst>
+      <p:ext uri="{BB962C8B-B14F-4D97-AF65-F5344CB8AC3E}">
+        <p14:creationId xmlns:p14="http://schemas.microsoft.com/office/powerpoint/2010/main" val="1884937142"/>
+      </p:ext>
+    </p:extLst>
+  </p:cSld>
+  <p:clrMapOvr>
+    <a:masterClrMapping/>
+  </p:clrMapOvr>
+</p:notes>
 </file>
 
 <file path=ppt/slideLayouts/slideLayout1.xml><?xml version="1.0" encoding="utf-8"?>
@@ -3735,7 +4171,7 @@
           <p:nvPr/>
         </p:nvPicPr>
         <p:blipFill>
-          <a:blip r:embed="rId2">
+          <a:blip r:embed="rId5">
             <a:extLst>
               <a:ext uri="{28A0092B-C50C-407E-A947-70E740481C1C}">
                 <a14:useLocalDpi xmlns:a14="http://schemas.microsoft.com/office/drawing/2010/main" val="0"/>
@@ -3766,6 +4202,45 @@
           </a:extLst>
         </p:spPr>
       </p:pic>
+      <p:pic>
+        <p:nvPicPr>
+          <p:cNvPr id="7" name="오디오 6">
+            <a:hlinkClick r:id="" action="ppaction://media"/>
+            <a:extLst>
+              <a:ext uri="{FF2B5EF4-FFF2-40B4-BE49-F238E27FC236}">
+                <a16:creationId xmlns:a16="http://schemas.microsoft.com/office/drawing/2014/main" id="{DA980148-1158-797B-924F-186E93E45CBA}"/>
+              </a:ext>
+            </a:extLst>
+          </p:cNvPr>
+          <p:cNvPicPr>
+            <a:picLocks noChangeAspect="1"/>
+          </p:cNvPicPr>
+          <p:nvPr>
+            <a:audioFile r:link="rId2"/>
+            <p:extLst>
+              <p:ext uri="{DAA4B4D4-6D71-4841-9C94-3DE7FCFB9230}">
+                <p14:media xmlns:p14="http://schemas.microsoft.com/office/powerpoint/2010/main" r:embed="rId1"/>
+              </p:ext>
+            </p:extLst>
+          </p:nvPr>
+        </p:nvPicPr>
+        <p:blipFill>
+          <a:blip r:embed="rId6"/>
+          <a:srcRect l="-161075" t="-161075" r="-161075" b="-161075"/>
+          <a:stretch>
+            <a:fillRect/>
+          </a:stretch>
+        </p:blipFill>
+        <p:spPr>
+          <a:xfrm>
+            <a:off x="10052304" y="4718304"/>
+            <a:ext cx="2057400" cy="2057400"/>
+          </a:xfrm>
+          <a:prstGeom prst="ellipse">
+            <a:avLst/>
+          </a:prstGeom>
+        </p:spPr>
+      </p:pic>
     </p:spTree>
     <p:extLst>
       <p:ext uri="{BB962C8B-B14F-4D97-AF65-F5344CB8AC3E}">
@@ -3776,6 +4251,101 @@
   <p:clrMapOvr>
     <a:masterClrMapping/>
   </p:clrMapOvr>
+  <mc:AlternateContent xmlns:mc="http://schemas.openxmlformats.org/markup-compatibility/2006">
+    <mc:Choice xmlns:p14="http://schemas.microsoft.com/office/powerpoint/2010/main" Requires="p14">
+      <p:transition spd="slow" p14:dur="2000" advTm="8097"/>
+    </mc:Choice>
+    <mc:Fallback>
+      <p:transition spd="slow" advTm="8097"/>
+    </mc:Fallback>
+  </mc:AlternateContent>
+  <p:timing>
+    <p:tnLst>
+      <p:par>
+        <p:cTn id="1" dur="indefinite" restart="never" nodeType="tmRoot">
+          <p:childTnLst>
+            <p:seq concurrent="1" nextAc="seek">
+              <p:cTn id="2" dur="indefinite" nodeType="mainSeq">
+                <p:childTnLst>
+                  <p:par>
+                    <p:cTn id="3" fill="hold">
+                      <p:stCondLst>
+                        <p:cond delay="indefinite"/>
+                        <p:cond evt="onBegin" delay="0">
+                          <p:tn val="2"/>
+                        </p:cond>
+                      </p:stCondLst>
+                      <p:childTnLst>
+                        <p:par>
+                          <p:cTn id="4" fill="hold">
+                            <p:stCondLst>
+                              <p:cond delay="0"/>
+                            </p:stCondLst>
+                            <p:childTnLst>
+                              <p:par>
+                                <p:cTn id="5" presetID="1" presetClass="mediacall" presetSubtype="0" fill="hold" nodeType="afterEffect">
+                                  <p:stCondLst>
+                                    <p:cond delay="0"/>
+                                  </p:stCondLst>
+                                  <p:childTnLst>
+                                    <p:cmd type="call" cmd="playFrom(0.0)">
+                                      <p:cBhvr>
+                                        <p:cTn id="6" dur="1" fill="hold"/>
+                                        <p:tgtEl>
+                                          <p:spTgt spid="7"/>
+                                        </p:tgtEl>
+                                      </p:cBhvr>
+                                    </p:cmd>
+                                  </p:childTnLst>
+                                </p:cTn>
+                              </p:par>
+                            </p:childTnLst>
+                          </p:cTn>
+                        </p:par>
+                      </p:childTnLst>
+                    </p:cTn>
+                  </p:par>
+                </p:childTnLst>
+              </p:cTn>
+              <p:prevCondLst>
+                <p:cond evt="onPrev" delay="0">
+                  <p:tgtEl>
+                    <p:sldTgt/>
+                  </p:tgtEl>
+                </p:cond>
+              </p:prevCondLst>
+              <p:nextCondLst>
+                <p:cond evt="onNext" delay="0">
+                  <p:tgtEl>
+                    <p:sldTgt/>
+                  </p:tgtEl>
+                </p:cond>
+              </p:nextCondLst>
+            </p:seq>
+            <p:audio isNarration="1">
+              <p:cMediaNode vol="80000" showWhenStopped="0">
+                <p:cTn id="7" fill="hold" display="0">
+                  <p:stCondLst>
+                    <p:cond delay="indefinite"/>
+                  </p:stCondLst>
+                  <p:endCondLst>
+                    <p:cond evt="onStopAudio" delay="0">
+                      <p:tgtEl>
+                        <p:sldTgt/>
+                      </p:tgtEl>
+                    </p:cond>
+                  </p:endCondLst>
+                </p:cTn>
+                <p:tgtEl>
+                  <p:spTgt spid="7"/>
+                </p:tgtEl>
+              </p:cMediaNode>
+            </p:audio>
+          </p:childTnLst>
+        </p:cTn>
+      </p:par>
+    </p:tnLst>
+  </p:timing>
 </p:sld>
 </file>
 
@@ -3895,6 +4465,45 @@
           </a:p>
         </p:txBody>
       </p:sp>
+      <p:pic>
+        <p:nvPicPr>
+          <p:cNvPr id="7" name="오디오 6">
+            <a:hlinkClick r:id="" action="ppaction://media"/>
+            <a:extLst>
+              <a:ext uri="{FF2B5EF4-FFF2-40B4-BE49-F238E27FC236}">
+                <a16:creationId xmlns:a16="http://schemas.microsoft.com/office/drawing/2014/main" id="{92BFEA0C-C4A0-F972-04D6-41B4B4A1DCA2}"/>
+              </a:ext>
+            </a:extLst>
+          </p:cNvPr>
+          <p:cNvPicPr>
+            <a:picLocks noChangeAspect="1"/>
+          </p:cNvPicPr>
+          <p:nvPr>
+            <a:audioFile r:link="rId2"/>
+            <p:extLst>
+              <p:ext uri="{DAA4B4D4-6D71-4841-9C94-3DE7FCFB9230}">
+                <p14:media xmlns:p14="http://schemas.microsoft.com/office/powerpoint/2010/main" r:embed="rId1"/>
+              </p:ext>
+            </p:extLst>
+          </p:nvPr>
+        </p:nvPicPr>
+        <p:blipFill>
+          <a:blip r:embed="rId4"/>
+          <a:srcRect l="-161075" t="-161075" r="-161075" b="-161075"/>
+          <a:stretch>
+            <a:fillRect/>
+          </a:stretch>
+        </p:blipFill>
+        <p:spPr>
+          <a:xfrm>
+            <a:off x="10052304" y="4718304"/>
+            <a:ext cx="2057400" cy="2057400"/>
+          </a:xfrm>
+          <a:prstGeom prst="ellipse">
+            <a:avLst/>
+          </a:prstGeom>
+        </p:spPr>
+      </p:pic>
     </p:spTree>
     <p:extLst>
       <p:ext uri="{BB962C8B-B14F-4D97-AF65-F5344CB8AC3E}">
@@ -3905,6 +4514,101 @@
   <p:clrMapOvr>
     <a:masterClrMapping/>
   </p:clrMapOvr>
+  <mc:AlternateContent xmlns:mc="http://schemas.openxmlformats.org/markup-compatibility/2006">
+    <mc:Choice xmlns:p14="http://schemas.microsoft.com/office/powerpoint/2010/main" Requires="p14">
+      <p:transition spd="slow" p14:dur="2000" advTm="11964"/>
+    </mc:Choice>
+    <mc:Fallback>
+      <p:transition spd="slow" advTm="11964"/>
+    </mc:Fallback>
+  </mc:AlternateContent>
+  <p:timing>
+    <p:tnLst>
+      <p:par>
+        <p:cTn id="1" dur="indefinite" restart="never" nodeType="tmRoot">
+          <p:childTnLst>
+            <p:seq concurrent="1" nextAc="seek">
+              <p:cTn id="2" dur="indefinite" nodeType="mainSeq">
+                <p:childTnLst>
+                  <p:par>
+                    <p:cTn id="3" fill="hold">
+                      <p:stCondLst>
+                        <p:cond delay="indefinite"/>
+                        <p:cond evt="onBegin" delay="0">
+                          <p:tn val="2"/>
+                        </p:cond>
+                      </p:stCondLst>
+                      <p:childTnLst>
+                        <p:par>
+                          <p:cTn id="4" fill="hold">
+                            <p:stCondLst>
+                              <p:cond delay="0"/>
+                            </p:stCondLst>
+                            <p:childTnLst>
+                              <p:par>
+                                <p:cTn id="5" presetID="1" presetClass="mediacall" presetSubtype="0" fill="hold" nodeType="afterEffect">
+                                  <p:stCondLst>
+                                    <p:cond delay="0"/>
+                                  </p:stCondLst>
+                                  <p:childTnLst>
+                                    <p:cmd type="call" cmd="playFrom(0.0)">
+                                      <p:cBhvr>
+                                        <p:cTn id="6" dur="1" fill="hold"/>
+                                        <p:tgtEl>
+                                          <p:spTgt spid="7"/>
+                                        </p:tgtEl>
+                                      </p:cBhvr>
+                                    </p:cmd>
+                                  </p:childTnLst>
+                                </p:cTn>
+                              </p:par>
+                            </p:childTnLst>
+                          </p:cTn>
+                        </p:par>
+                      </p:childTnLst>
+                    </p:cTn>
+                  </p:par>
+                </p:childTnLst>
+              </p:cTn>
+              <p:prevCondLst>
+                <p:cond evt="onPrev" delay="0">
+                  <p:tgtEl>
+                    <p:sldTgt/>
+                  </p:tgtEl>
+                </p:cond>
+              </p:prevCondLst>
+              <p:nextCondLst>
+                <p:cond evt="onNext" delay="0">
+                  <p:tgtEl>
+                    <p:sldTgt/>
+                  </p:tgtEl>
+                </p:cond>
+              </p:nextCondLst>
+            </p:seq>
+            <p:audio isNarration="1">
+              <p:cMediaNode vol="80000" showWhenStopped="0">
+                <p:cTn id="7" fill="hold" display="0">
+                  <p:stCondLst>
+                    <p:cond delay="indefinite"/>
+                  </p:stCondLst>
+                  <p:endCondLst>
+                    <p:cond evt="onStopAudio" delay="0">
+                      <p:tgtEl>
+                        <p:sldTgt/>
+                      </p:tgtEl>
+                    </p:cond>
+                  </p:endCondLst>
+                </p:cTn>
+                <p:tgtEl>
+                  <p:spTgt spid="7"/>
+                </p:tgtEl>
+              </p:cMediaNode>
+            </p:audio>
+          </p:childTnLst>
+        </p:cTn>
+      </p:par>
+    </p:tnLst>
+  </p:timing>
 </p:sld>
 </file>
 
@@ -4009,11 +4713,11 @@
           <a:p>
             <a:r>
               <a:rPr lang="ko-KR" altLang="en-US" dirty="0"/>
-              <a:t>재료를 의 조리와 같은 상호작용 요소는 </a:t>
+              <a:t>재료의 조리와 같은 상호작용 요소는 </a:t>
             </a:r>
             <a:r>
               <a:rPr lang="en-US" altLang="ko-KR" dirty="0"/>
-              <a:t>r</a:t>
+              <a:t>Shift</a:t>
             </a:r>
             <a:r>
               <a:rPr lang="ko-KR" altLang="en-US" dirty="0"/>
@@ -4033,6 +4737,45 @@
           </a:p>
         </p:txBody>
       </p:sp>
+      <p:pic>
+        <p:nvPicPr>
+          <p:cNvPr id="6" name="오디오 5">
+            <a:hlinkClick r:id="" action="ppaction://media"/>
+            <a:extLst>
+              <a:ext uri="{FF2B5EF4-FFF2-40B4-BE49-F238E27FC236}">
+                <a16:creationId xmlns:a16="http://schemas.microsoft.com/office/drawing/2014/main" id="{135F253D-6B1D-53C7-FE81-2F9B8330EF49}"/>
+              </a:ext>
+            </a:extLst>
+          </p:cNvPr>
+          <p:cNvPicPr>
+            <a:picLocks noChangeAspect="1"/>
+          </p:cNvPicPr>
+          <p:nvPr>
+            <a:audioFile r:link="rId2"/>
+            <p:extLst>
+              <p:ext uri="{DAA4B4D4-6D71-4841-9C94-3DE7FCFB9230}">
+                <p14:media xmlns:p14="http://schemas.microsoft.com/office/powerpoint/2010/main" r:embed="rId1"/>
+              </p:ext>
+            </p:extLst>
+          </p:nvPr>
+        </p:nvPicPr>
+        <p:blipFill>
+          <a:blip r:embed="rId4"/>
+          <a:srcRect l="-161075" t="-161075" r="-161075" b="-161075"/>
+          <a:stretch>
+            <a:fillRect/>
+          </a:stretch>
+        </p:blipFill>
+        <p:spPr>
+          <a:xfrm>
+            <a:off x="10052304" y="4718304"/>
+            <a:ext cx="2057400" cy="2057400"/>
+          </a:xfrm>
+          <a:prstGeom prst="ellipse">
+            <a:avLst/>
+          </a:prstGeom>
+        </p:spPr>
+      </p:pic>
     </p:spTree>
     <p:extLst>
       <p:ext uri="{BB962C8B-B14F-4D97-AF65-F5344CB8AC3E}">
@@ -4043,6 +4786,101 @@
   <p:clrMapOvr>
     <a:masterClrMapping/>
   </p:clrMapOvr>
+  <mc:AlternateContent xmlns:mc="http://schemas.openxmlformats.org/markup-compatibility/2006">
+    <mc:Choice xmlns:p14="http://schemas.microsoft.com/office/powerpoint/2010/main" Requires="p14">
+      <p:transition spd="slow" p14:dur="2000" advTm="20408"/>
+    </mc:Choice>
+    <mc:Fallback>
+      <p:transition spd="slow" advTm="20408"/>
+    </mc:Fallback>
+  </mc:AlternateContent>
+  <p:timing>
+    <p:tnLst>
+      <p:par>
+        <p:cTn id="1" dur="indefinite" restart="never" nodeType="tmRoot">
+          <p:childTnLst>
+            <p:seq concurrent="1" nextAc="seek">
+              <p:cTn id="2" dur="indefinite" nodeType="mainSeq">
+                <p:childTnLst>
+                  <p:par>
+                    <p:cTn id="3" fill="hold">
+                      <p:stCondLst>
+                        <p:cond delay="indefinite"/>
+                        <p:cond evt="onBegin" delay="0">
+                          <p:tn val="2"/>
+                        </p:cond>
+                      </p:stCondLst>
+                      <p:childTnLst>
+                        <p:par>
+                          <p:cTn id="4" fill="hold">
+                            <p:stCondLst>
+                              <p:cond delay="0"/>
+                            </p:stCondLst>
+                            <p:childTnLst>
+                              <p:par>
+                                <p:cTn id="5" presetID="1" presetClass="mediacall" presetSubtype="0" fill="hold" nodeType="afterEffect">
+                                  <p:stCondLst>
+                                    <p:cond delay="0"/>
+                                  </p:stCondLst>
+                                  <p:childTnLst>
+                                    <p:cmd type="call" cmd="playFrom(0.0)">
+                                      <p:cBhvr>
+                                        <p:cTn id="6" dur="1" fill="hold"/>
+                                        <p:tgtEl>
+                                          <p:spTgt spid="6"/>
+                                        </p:tgtEl>
+                                      </p:cBhvr>
+                                    </p:cmd>
+                                  </p:childTnLst>
+                                </p:cTn>
+                              </p:par>
+                            </p:childTnLst>
+                          </p:cTn>
+                        </p:par>
+                      </p:childTnLst>
+                    </p:cTn>
+                  </p:par>
+                </p:childTnLst>
+              </p:cTn>
+              <p:prevCondLst>
+                <p:cond evt="onPrev" delay="0">
+                  <p:tgtEl>
+                    <p:sldTgt/>
+                  </p:tgtEl>
+                </p:cond>
+              </p:prevCondLst>
+              <p:nextCondLst>
+                <p:cond evt="onNext" delay="0">
+                  <p:tgtEl>
+                    <p:sldTgt/>
+                  </p:tgtEl>
+                </p:cond>
+              </p:nextCondLst>
+            </p:seq>
+            <p:audio isNarration="1">
+              <p:cMediaNode vol="80000" showWhenStopped="0">
+                <p:cTn id="7" fill="hold" display="0">
+                  <p:stCondLst>
+                    <p:cond delay="indefinite"/>
+                  </p:stCondLst>
+                  <p:endCondLst>
+                    <p:cond evt="onStopAudio" delay="0">
+                      <p:tgtEl>
+                        <p:sldTgt/>
+                      </p:tgtEl>
+                    </p:cond>
+                  </p:endCondLst>
+                </p:cTn>
+                <p:tgtEl>
+                  <p:spTgt spid="6"/>
+                </p:tgtEl>
+              </p:cMediaNode>
+            </p:audio>
+          </p:childTnLst>
+        </p:cTn>
+      </p:par>
+    </p:tnLst>
+  </p:timing>
 </p:sld>
 </file>
 
@@ -4129,7 +4967,7 @@
           </p:nvPr>
         </p:nvPicPr>
         <p:blipFill>
-          <a:blip r:embed="rId2">
+          <a:blip r:embed="rId4">
             <a:extLst>
               <a:ext uri="{28A0092B-C50C-407E-A947-70E740481C1C}">
                 <a14:useLocalDpi xmlns:a14="http://schemas.microsoft.com/office/drawing/2010/main" val="0"/>
@@ -4234,6 +5072,45 @@
           </a:p>
         </p:txBody>
       </p:sp>
+      <p:pic>
+        <p:nvPicPr>
+          <p:cNvPr id="6" name="오디오 5">
+            <a:hlinkClick r:id="" action="ppaction://media"/>
+            <a:extLst>
+              <a:ext uri="{FF2B5EF4-FFF2-40B4-BE49-F238E27FC236}">
+                <a16:creationId xmlns:a16="http://schemas.microsoft.com/office/drawing/2014/main" id="{8E5698A0-2FF2-1188-81AF-74767C2B51AB}"/>
+              </a:ext>
+            </a:extLst>
+          </p:cNvPr>
+          <p:cNvPicPr>
+            <a:picLocks noChangeAspect="1"/>
+          </p:cNvPicPr>
+          <p:nvPr>
+            <a:audioFile r:link="rId2"/>
+            <p:extLst>
+              <p:ext uri="{DAA4B4D4-6D71-4841-9C94-3DE7FCFB9230}">
+                <p14:media xmlns:p14="http://schemas.microsoft.com/office/powerpoint/2010/main" r:embed="rId1"/>
+              </p:ext>
+            </p:extLst>
+          </p:nvPr>
+        </p:nvPicPr>
+        <p:blipFill>
+          <a:blip r:embed="rId5"/>
+          <a:srcRect l="-161075" t="-161075" r="-161075" b="-161075"/>
+          <a:stretch>
+            <a:fillRect/>
+          </a:stretch>
+        </p:blipFill>
+        <p:spPr>
+          <a:xfrm>
+            <a:off x="10052304" y="4718304"/>
+            <a:ext cx="2057400" cy="2057400"/>
+          </a:xfrm>
+          <a:prstGeom prst="ellipse">
+            <a:avLst/>
+          </a:prstGeom>
+        </p:spPr>
+      </p:pic>
     </p:spTree>
     <p:extLst>
       <p:ext uri="{BB962C8B-B14F-4D97-AF65-F5344CB8AC3E}">
@@ -4244,6 +5121,101 @@
   <p:clrMapOvr>
     <a:masterClrMapping/>
   </p:clrMapOvr>
+  <mc:AlternateContent xmlns:mc="http://schemas.openxmlformats.org/markup-compatibility/2006">
+    <mc:Choice xmlns:p14="http://schemas.microsoft.com/office/powerpoint/2010/main" Requires="p14">
+      <p:transition spd="slow" p14:dur="2000" advTm="16266"/>
+    </mc:Choice>
+    <mc:Fallback>
+      <p:transition spd="slow" advTm="16266"/>
+    </mc:Fallback>
+  </mc:AlternateContent>
+  <p:timing>
+    <p:tnLst>
+      <p:par>
+        <p:cTn id="1" dur="indefinite" restart="never" nodeType="tmRoot">
+          <p:childTnLst>
+            <p:seq concurrent="1" nextAc="seek">
+              <p:cTn id="2" dur="indefinite" nodeType="mainSeq">
+                <p:childTnLst>
+                  <p:par>
+                    <p:cTn id="3" fill="hold">
+                      <p:stCondLst>
+                        <p:cond delay="indefinite"/>
+                        <p:cond evt="onBegin" delay="0">
+                          <p:tn val="2"/>
+                        </p:cond>
+                      </p:stCondLst>
+                      <p:childTnLst>
+                        <p:par>
+                          <p:cTn id="4" fill="hold">
+                            <p:stCondLst>
+                              <p:cond delay="0"/>
+                            </p:stCondLst>
+                            <p:childTnLst>
+                              <p:par>
+                                <p:cTn id="5" presetID="1" presetClass="mediacall" presetSubtype="0" fill="hold" nodeType="afterEffect">
+                                  <p:stCondLst>
+                                    <p:cond delay="0"/>
+                                  </p:stCondLst>
+                                  <p:childTnLst>
+                                    <p:cmd type="call" cmd="playFrom(0.0)">
+                                      <p:cBhvr>
+                                        <p:cTn id="6" dur="1" fill="hold"/>
+                                        <p:tgtEl>
+                                          <p:spTgt spid="6"/>
+                                        </p:tgtEl>
+                                      </p:cBhvr>
+                                    </p:cmd>
+                                  </p:childTnLst>
+                                </p:cTn>
+                              </p:par>
+                            </p:childTnLst>
+                          </p:cTn>
+                        </p:par>
+                      </p:childTnLst>
+                    </p:cTn>
+                  </p:par>
+                </p:childTnLst>
+              </p:cTn>
+              <p:prevCondLst>
+                <p:cond evt="onPrev" delay="0">
+                  <p:tgtEl>
+                    <p:sldTgt/>
+                  </p:tgtEl>
+                </p:cond>
+              </p:prevCondLst>
+              <p:nextCondLst>
+                <p:cond evt="onNext" delay="0">
+                  <p:tgtEl>
+                    <p:sldTgt/>
+                  </p:tgtEl>
+                </p:cond>
+              </p:nextCondLst>
+            </p:seq>
+            <p:audio isNarration="1">
+              <p:cMediaNode vol="80000" showWhenStopped="0">
+                <p:cTn id="7" fill="hold" display="0">
+                  <p:stCondLst>
+                    <p:cond delay="indefinite"/>
+                  </p:stCondLst>
+                  <p:endCondLst>
+                    <p:cond evt="onStopAudio" delay="0">
+                      <p:tgtEl>
+                        <p:sldTgt/>
+                      </p:tgtEl>
+                    </p:cond>
+                  </p:endCondLst>
+                </p:cTn>
+                <p:tgtEl>
+                  <p:spTgt spid="6"/>
+                </p:tgtEl>
+              </p:cMediaNode>
+            </p:audio>
+          </p:childTnLst>
+        </p:cTn>
+      </p:par>
+    </p:tnLst>
+  </p:timing>
 </p:sld>
 </file>
 
@@ -4942,6 +5914,45 @@
           </a:graphicData>
         </a:graphic>
       </p:graphicFrame>
+      <p:pic>
+        <p:nvPicPr>
+          <p:cNvPr id="6" name="오디오 5">
+            <a:hlinkClick r:id="" action="ppaction://media"/>
+            <a:extLst>
+              <a:ext uri="{FF2B5EF4-FFF2-40B4-BE49-F238E27FC236}">
+                <a16:creationId xmlns:a16="http://schemas.microsoft.com/office/drawing/2014/main" id="{EC3714C0-5CFC-7C23-12D1-C4E8F1D55FA5}"/>
+              </a:ext>
+            </a:extLst>
+          </p:cNvPr>
+          <p:cNvPicPr>
+            <a:picLocks noChangeAspect="1"/>
+          </p:cNvPicPr>
+          <p:nvPr>
+            <a:audioFile r:link="rId2"/>
+            <p:extLst>
+              <p:ext uri="{DAA4B4D4-6D71-4841-9C94-3DE7FCFB9230}">
+                <p14:media xmlns:p14="http://schemas.microsoft.com/office/powerpoint/2010/main" r:embed="rId1"/>
+              </p:ext>
+            </p:extLst>
+          </p:nvPr>
+        </p:nvPicPr>
+        <p:blipFill>
+          <a:blip r:embed="rId4"/>
+          <a:srcRect l="-161075" t="-161075" r="-161075" b="-161075"/>
+          <a:stretch>
+            <a:fillRect/>
+          </a:stretch>
+        </p:blipFill>
+        <p:spPr>
+          <a:xfrm>
+            <a:off x="10052304" y="4718304"/>
+            <a:ext cx="2057400" cy="2057400"/>
+          </a:xfrm>
+          <a:prstGeom prst="ellipse">
+            <a:avLst/>
+          </a:prstGeom>
+        </p:spPr>
+      </p:pic>
     </p:spTree>
     <p:extLst>
       <p:ext uri="{BB962C8B-B14F-4D97-AF65-F5344CB8AC3E}">
@@ -4952,6 +5963,101 @@
   <p:clrMapOvr>
     <a:masterClrMapping/>
   </p:clrMapOvr>
+  <mc:AlternateContent xmlns:mc="http://schemas.openxmlformats.org/markup-compatibility/2006">
+    <mc:Choice xmlns:p14="http://schemas.microsoft.com/office/powerpoint/2010/main" Requires="p14">
+      <p:transition spd="slow" p14:dur="2000" advTm="16621"/>
+    </mc:Choice>
+    <mc:Fallback>
+      <p:transition spd="slow" advTm="16621"/>
+    </mc:Fallback>
+  </mc:AlternateContent>
+  <p:timing>
+    <p:tnLst>
+      <p:par>
+        <p:cTn id="1" dur="indefinite" restart="never" nodeType="tmRoot">
+          <p:childTnLst>
+            <p:seq concurrent="1" nextAc="seek">
+              <p:cTn id="2" dur="indefinite" nodeType="mainSeq">
+                <p:childTnLst>
+                  <p:par>
+                    <p:cTn id="3" fill="hold">
+                      <p:stCondLst>
+                        <p:cond delay="indefinite"/>
+                        <p:cond evt="onBegin" delay="0">
+                          <p:tn val="2"/>
+                        </p:cond>
+                      </p:stCondLst>
+                      <p:childTnLst>
+                        <p:par>
+                          <p:cTn id="4" fill="hold">
+                            <p:stCondLst>
+                              <p:cond delay="0"/>
+                            </p:stCondLst>
+                            <p:childTnLst>
+                              <p:par>
+                                <p:cTn id="5" presetID="1" presetClass="mediacall" presetSubtype="0" fill="hold" nodeType="afterEffect">
+                                  <p:stCondLst>
+                                    <p:cond delay="0"/>
+                                  </p:stCondLst>
+                                  <p:childTnLst>
+                                    <p:cmd type="call" cmd="playFrom(0.0)">
+                                      <p:cBhvr>
+                                        <p:cTn id="6" dur="1" fill="hold"/>
+                                        <p:tgtEl>
+                                          <p:spTgt spid="6"/>
+                                        </p:tgtEl>
+                                      </p:cBhvr>
+                                    </p:cmd>
+                                  </p:childTnLst>
+                                </p:cTn>
+                              </p:par>
+                            </p:childTnLst>
+                          </p:cTn>
+                        </p:par>
+                      </p:childTnLst>
+                    </p:cTn>
+                  </p:par>
+                </p:childTnLst>
+              </p:cTn>
+              <p:prevCondLst>
+                <p:cond evt="onPrev" delay="0">
+                  <p:tgtEl>
+                    <p:sldTgt/>
+                  </p:tgtEl>
+                </p:cond>
+              </p:prevCondLst>
+              <p:nextCondLst>
+                <p:cond evt="onNext" delay="0">
+                  <p:tgtEl>
+                    <p:sldTgt/>
+                  </p:tgtEl>
+                </p:cond>
+              </p:nextCondLst>
+            </p:seq>
+            <p:audio isNarration="1">
+              <p:cMediaNode vol="80000" showWhenStopped="0">
+                <p:cTn id="7" fill="hold" display="0">
+                  <p:stCondLst>
+                    <p:cond delay="indefinite"/>
+                  </p:stCondLst>
+                  <p:endCondLst>
+                    <p:cond evt="onStopAudio" delay="0">
+                      <p:tgtEl>
+                        <p:sldTgt/>
+                      </p:tgtEl>
+                    </p:cond>
+                  </p:endCondLst>
+                </p:cTn>
+                <p:tgtEl>
+                  <p:spTgt spid="6"/>
+                </p:tgtEl>
+              </p:cMediaNode>
+            </p:audio>
+          </p:childTnLst>
+        </p:cTn>
+      </p:par>
+    </p:tnLst>
+  </p:timing>
 </p:sld>
 </file>
 
@@ -5268,4 +6374,319 @@
     </a:ext>
   </a:extLst>
 </a:theme>
+</file>
+
+<file path=ppt/theme/theme2.xml><?xml version="1.0" encoding="utf-8"?>
+<a:theme xmlns:a="http://schemas.openxmlformats.org/drawingml/2006/main" name="Office 테마">
+  <a:themeElements>
+    <a:clrScheme name="Office">
+      <a:dk1>
+        <a:sysClr val="windowText" lastClr="000000"/>
+      </a:dk1>
+      <a:lt1>
+        <a:sysClr val="window" lastClr="FFFFFF"/>
+      </a:lt1>
+      <a:dk2>
+        <a:srgbClr val="0E2841"/>
+      </a:dk2>
+      <a:lt2>
+        <a:srgbClr val="E8E8E8"/>
+      </a:lt2>
+      <a:accent1>
+        <a:srgbClr val="156082"/>
+      </a:accent1>
+      <a:accent2>
+        <a:srgbClr val="E97132"/>
+      </a:accent2>
+      <a:accent3>
+        <a:srgbClr val="196B24"/>
+      </a:accent3>
+      <a:accent4>
+        <a:srgbClr val="0F9ED5"/>
+      </a:accent4>
+      <a:accent5>
+        <a:srgbClr val="A02B93"/>
+      </a:accent5>
+      <a:accent6>
+        <a:srgbClr val="4EA72E"/>
+      </a:accent6>
+      <a:hlink>
+        <a:srgbClr val="467886"/>
+      </a:hlink>
+      <a:folHlink>
+        <a:srgbClr val="96607D"/>
+      </a:folHlink>
+    </a:clrScheme>
+    <a:fontScheme name="Office">
+      <a:majorFont>
+        <a:latin typeface="맑은 고딕" panose="02110004020202020204"/>
+        <a:ea typeface=""/>
+        <a:cs typeface=""/>
+        <a:font script="Jpan" typeface="游ゴシック Light"/>
+        <a:font script="Hang" typeface="맑은 고딕"/>
+        <a:font script="Hans" typeface="等线 Light"/>
+        <a:font script="Hant" typeface="新細明體"/>
+        <a:font script="Arab" typeface="Times New Roman"/>
+        <a:font script="Hebr" typeface="Times New Roman"/>
+        <a:font script="Thai" typeface="Angsana New"/>
+        <a:font script="Ethi" typeface="Nyala"/>
+        <a:font script="Beng" typeface="Vrinda"/>
+        <a:font script="Gujr" typeface="Shruti"/>
+        <a:font script="Khmr" typeface="MoolBoran"/>
+        <a:font script="Knda" typeface="Tunga"/>
+        <a:font script="Guru" typeface="Raavi"/>
+        <a:font script="Cans" typeface="Euphemia"/>
+        <a:font script="Cher" typeface="Plantagenet Cherokee"/>
+        <a:font script="Yiii" typeface="Microsoft Yi Baiti"/>
+        <a:font script="Tibt" typeface="Microsoft Himalaya"/>
+        <a:font script="Thaa" typeface="MV Boli"/>
+        <a:font script="Deva" typeface="Mangal"/>
+        <a:font script="Telu" typeface="Gautami"/>
+        <a:font script="Taml" typeface="Latha"/>
+        <a:font script="Syrc" typeface="Estrangelo Edessa"/>
+        <a:font script="Orya" typeface="Kalinga"/>
+        <a:font script="Mlym" typeface="Kartika"/>
+        <a:font script="Laoo" typeface="DokChampa"/>
+        <a:font script="Sinh" typeface="Iskoola Pota"/>
+        <a:font script="Mong" typeface="Mongolian Baiti"/>
+        <a:font script="Viet" typeface="Times New Roman"/>
+        <a:font script="Uigh" typeface="Microsoft Uighur"/>
+        <a:font script="Geor" typeface="Sylfaen"/>
+        <a:font script="Armn" typeface="Arial"/>
+        <a:font script="Bugi" typeface="Leelawadee UI"/>
+        <a:font script="Bopo" typeface="Microsoft JhengHei"/>
+        <a:font script="Java" typeface="Javanese Text"/>
+        <a:font script="Lisu" typeface="Segoe UI"/>
+        <a:font script="Mymr" typeface="Myanmar Text"/>
+        <a:font script="Nkoo" typeface="Ebrima"/>
+        <a:font script="Olck" typeface="Nirmala UI"/>
+        <a:font script="Osma" typeface="Ebrima"/>
+        <a:font script="Phag" typeface="Phagspa"/>
+        <a:font script="Syrn" typeface="Estrangelo Edessa"/>
+        <a:font script="Syrj" typeface="Estrangelo Edessa"/>
+        <a:font script="Syre" typeface="Estrangelo Edessa"/>
+        <a:font script="Sora" typeface="Nirmala UI"/>
+        <a:font script="Tale" typeface="Microsoft Tai Le"/>
+        <a:font script="Talu" typeface="Microsoft New Tai Lue"/>
+        <a:font script="Tfng" typeface="Ebrima"/>
+      </a:majorFont>
+      <a:minorFont>
+        <a:latin typeface="맑은 고딕" panose="02110004020202020204"/>
+        <a:ea typeface=""/>
+        <a:cs typeface=""/>
+        <a:font script="Jpan" typeface="游ゴシック"/>
+        <a:font script="Hang" typeface="맑은 고딕"/>
+        <a:font script="Hans" typeface="等线"/>
+        <a:font script="Hant" typeface="新細明體"/>
+        <a:font script="Arab" typeface="Arial"/>
+        <a:font script="Hebr" typeface="Arial"/>
+        <a:font script="Thai" typeface="Cordia New"/>
+        <a:font script="Ethi" typeface="Nyala"/>
+        <a:font script="Beng" typeface="Vrinda"/>
+        <a:font script="Gujr" typeface="Shruti"/>
+        <a:font script="Khmr" typeface="DaunPenh"/>
+        <a:font script="Knda" typeface="Tunga"/>
+        <a:font script="Guru" typeface="Raavi"/>
+        <a:font script="Cans" typeface="Euphemia"/>
+        <a:font script="Cher" typeface="Plantagenet Cherokee"/>
+        <a:font script="Yiii" typeface="Microsoft Yi Baiti"/>
+        <a:font script="Tibt" typeface="Microsoft Himalaya"/>
+        <a:font script="Thaa" typeface="MV Boli"/>
+        <a:font script="Deva" typeface="Mangal"/>
+        <a:font script="Telu" typeface="Gautami"/>
+        <a:font script="Taml" typeface="Latha"/>
+        <a:font script="Syrc" typeface="Estrangelo Edessa"/>
+        <a:font script="Orya" typeface="Kalinga"/>
+        <a:font script="Mlym" typeface="Kartika"/>
+        <a:font script="Laoo" typeface="DokChampa"/>
+        <a:font script="Sinh" typeface="Iskoola Pota"/>
+        <a:font script="Mong" typeface="Mongolian Baiti"/>
+        <a:font script="Viet" typeface="Arial"/>
+        <a:font script="Uigh" typeface="Microsoft Uighur"/>
+        <a:font script="Geor" typeface="Sylfaen"/>
+        <a:font script="Armn" typeface="Arial"/>
+        <a:font script="Bugi" typeface="Leelawadee UI"/>
+        <a:font script="Bopo" typeface="Microsoft JhengHei"/>
+        <a:font script="Java" typeface="Javanese Text"/>
+        <a:font script="Lisu" typeface="Segoe UI"/>
+        <a:font script="Mymr" typeface="Myanmar Text"/>
+        <a:font script="Nkoo" typeface="Ebrima"/>
+        <a:font script="Olck" typeface="Nirmala UI"/>
+        <a:font script="Osma" typeface="Ebrima"/>
+        <a:font script="Phag" typeface="Phagspa"/>
+        <a:font script="Syrn" typeface="Estrangelo Edessa"/>
+        <a:font script="Syrj" typeface="Estrangelo Edessa"/>
+        <a:font script="Syre" typeface="Estrangelo Edessa"/>
+        <a:font script="Sora" typeface="Nirmala UI"/>
+        <a:font script="Tale" typeface="Microsoft Tai Le"/>
+        <a:font script="Talu" typeface="Microsoft New Tai Lue"/>
+        <a:font script="Tfng" typeface="Ebrima"/>
+      </a:minorFont>
+    </a:fontScheme>
+    <a:fmtScheme name="Office">
+      <a:fillStyleLst>
+        <a:solidFill>
+          <a:schemeClr val="phClr"/>
+        </a:solidFill>
+        <a:gradFill rotWithShape="1">
+          <a:gsLst>
+            <a:gs pos="0">
+              <a:schemeClr val="phClr">
+                <a:lumMod val="110000"/>
+                <a:satMod val="105000"/>
+                <a:tint val="67000"/>
+              </a:schemeClr>
+            </a:gs>
+            <a:gs pos="50000">
+              <a:schemeClr val="phClr">
+                <a:lumMod val="105000"/>
+                <a:satMod val="103000"/>
+                <a:tint val="73000"/>
+              </a:schemeClr>
+            </a:gs>
+            <a:gs pos="100000">
+              <a:schemeClr val="phClr">
+                <a:lumMod val="105000"/>
+                <a:satMod val="109000"/>
+                <a:tint val="81000"/>
+              </a:schemeClr>
+            </a:gs>
+          </a:gsLst>
+          <a:lin ang="5400000" scaled="0"/>
+        </a:gradFill>
+        <a:gradFill rotWithShape="1">
+          <a:gsLst>
+            <a:gs pos="0">
+              <a:schemeClr val="phClr">
+                <a:satMod val="103000"/>
+                <a:lumMod val="102000"/>
+                <a:tint val="94000"/>
+              </a:schemeClr>
+            </a:gs>
+            <a:gs pos="50000">
+              <a:schemeClr val="phClr">
+                <a:satMod val="110000"/>
+                <a:lumMod val="100000"/>
+                <a:shade val="100000"/>
+              </a:schemeClr>
+            </a:gs>
+            <a:gs pos="100000">
+              <a:schemeClr val="phClr">
+                <a:lumMod val="99000"/>
+                <a:satMod val="120000"/>
+                <a:shade val="78000"/>
+              </a:schemeClr>
+            </a:gs>
+          </a:gsLst>
+          <a:lin ang="5400000" scaled="0"/>
+        </a:gradFill>
+      </a:fillStyleLst>
+      <a:lnStyleLst>
+        <a:ln w="12700" cap="flat" cmpd="sng" algn="ctr">
+          <a:solidFill>
+            <a:schemeClr val="phClr"/>
+          </a:solidFill>
+          <a:prstDash val="solid"/>
+          <a:miter lim="800000"/>
+        </a:ln>
+        <a:ln w="19050" cap="flat" cmpd="sng" algn="ctr">
+          <a:solidFill>
+            <a:schemeClr val="phClr"/>
+          </a:solidFill>
+          <a:prstDash val="solid"/>
+          <a:miter lim="800000"/>
+        </a:ln>
+        <a:ln w="25400" cap="flat" cmpd="sng" algn="ctr">
+          <a:solidFill>
+            <a:schemeClr val="phClr"/>
+          </a:solidFill>
+          <a:prstDash val="solid"/>
+          <a:miter lim="800000"/>
+        </a:ln>
+      </a:lnStyleLst>
+      <a:effectStyleLst>
+        <a:effectStyle>
+          <a:effectLst/>
+        </a:effectStyle>
+        <a:effectStyle>
+          <a:effectLst/>
+        </a:effectStyle>
+        <a:effectStyle>
+          <a:effectLst>
+            <a:outerShdw blurRad="57150" dist="19050" dir="5400000" algn="ctr" rotWithShape="0">
+              <a:srgbClr val="000000">
+                <a:alpha val="63000"/>
+              </a:srgbClr>
+            </a:outerShdw>
+          </a:effectLst>
+        </a:effectStyle>
+      </a:effectStyleLst>
+      <a:bgFillStyleLst>
+        <a:solidFill>
+          <a:schemeClr val="phClr"/>
+        </a:solidFill>
+        <a:solidFill>
+          <a:schemeClr val="phClr">
+            <a:tint val="95000"/>
+            <a:satMod val="170000"/>
+          </a:schemeClr>
+        </a:solidFill>
+        <a:gradFill rotWithShape="1">
+          <a:gsLst>
+            <a:gs pos="0">
+              <a:schemeClr val="phClr">
+                <a:tint val="93000"/>
+                <a:satMod val="150000"/>
+                <a:shade val="98000"/>
+                <a:lumMod val="102000"/>
+              </a:schemeClr>
+            </a:gs>
+            <a:gs pos="50000">
+              <a:schemeClr val="phClr">
+                <a:tint val="98000"/>
+                <a:satMod val="130000"/>
+                <a:shade val="90000"/>
+                <a:lumMod val="103000"/>
+              </a:schemeClr>
+            </a:gs>
+            <a:gs pos="100000">
+              <a:schemeClr val="phClr">
+                <a:shade val="63000"/>
+                <a:satMod val="120000"/>
+              </a:schemeClr>
+            </a:gs>
+          </a:gsLst>
+          <a:lin ang="5400000" scaled="0"/>
+        </a:gradFill>
+      </a:bgFillStyleLst>
+    </a:fmtScheme>
+  </a:themeElements>
+  <a:objectDefaults>
+    <a:lnDef>
+      <a:spPr/>
+      <a:bodyPr/>
+      <a:lstStyle/>
+      <a:style>
+        <a:lnRef idx="2">
+          <a:schemeClr val="accent1"/>
+        </a:lnRef>
+        <a:fillRef idx="0">
+          <a:schemeClr val="accent1"/>
+        </a:fillRef>
+        <a:effectRef idx="1">
+          <a:schemeClr val="accent1"/>
+        </a:effectRef>
+        <a:fontRef idx="minor">
+          <a:schemeClr val="tx1"/>
+        </a:fontRef>
+      </a:style>
+    </a:lnDef>
+  </a:objectDefaults>
+  <a:extraClrSchemeLst/>
+  <a:extLst>
+    <a:ext uri="{05A4C25C-085E-4340-85A3-A5531E510DB2}">
+      <thm15:themeFamily xmlns:thm15="http://schemas.microsoft.com/office/thememl/2012/main" name="Office Theme" id="{2E142A2C-CD16-42D6-873A-C26D2A0506FA}" vid="{1BDDFF52-6CD6-40A5-AB3C-68EB2F1E4D0A}"/>
+    </a:ext>
+  </a:extLst>
+</a:theme>
 </file>
--- a/2021180042_한진우 1차 발표.pptx
+++ b/2021180042_한진우 1차 발표.pptx
@@ -209,7 +209,7 @@
           <a:p>
             <a:fld id="{A28DFC61-8A81-4006-95FA-7F8D3BDAD257}" type="datetimeFigureOut">
               <a:rPr lang="ko-KR" altLang="en-US" smtClean="0"/>
-              <a:t>2024-10-14</a:t>
+              <a:t>2024-11-18</a:t>
             </a:fld>
             <a:endParaRPr lang="ko-KR" altLang="en-US"/>
           </a:p>
@@ -707,7 +707,7 @@
           <a:p>
             <a:fld id="{3607E7B2-F448-4C9B-9490-B10F5F0BF21F}" type="datetimeFigureOut">
               <a:rPr lang="ko-KR" altLang="en-US" smtClean="0"/>
-              <a:t>2024-10-14</a:t>
+              <a:t>2024-11-18</a:t>
             </a:fld>
             <a:endParaRPr lang="ko-KR" altLang="en-US"/>
           </a:p>
@@ -905,7 +905,7 @@
           <a:p>
             <a:fld id="{3607E7B2-F448-4C9B-9490-B10F5F0BF21F}" type="datetimeFigureOut">
               <a:rPr lang="ko-KR" altLang="en-US" smtClean="0"/>
-              <a:t>2024-10-14</a:t>
+              <a:t>2024-11-18</a:t>
             </a:fld>
             <a:endParaRPr lang="ko-KR" altLang="en-US"/>
           </a:p>
@@ -1113,7 +1113,7 @@
           <a:p>
             <a:fld id="{3607E7B2-F448-4C9B-9490-B10F5F0BF21F}" type="datetimeFigureOut">
               <a:rPr lang="ko-KR" altLang="en-US" smtClean="0"/>
-              <a:t>2024-10-14</a:t>
+              <a:t>2024-11-18</a:t>
             </a:fld>
             <a:endParaRPr lang="ko-KR" altLang="en-US"/>
           </a:p>
@@ -1311,7 +1311,7 @@
           <a:p>
             <a:fld id="{3607E7B2-F448-4C9B-9490-B10F5F0BF21F}" type="datetimeFigureOut">
               <a:rPr lang="ko-KR" altLang="en-US" smtClean="0"/>
-              <a:t>2024-10-14</a:t>
+              <a:t>2024-11-18</a:t>
             </a:fld>
             <a:endParaRPr lang="ko-KR" altLang="en-US"/>
           </a:p>
@@ -1586,7 +1586,7 @@
           <a:p>
             <a:fld id="{3607E7B2-F448-4C9B-9490-B10F5F0BF21F}" type="datetimeFigureOut">
               <a:rPr lang="ko-KR" altLang="en-US" smtClean="0"/>
-              <a:t>2024-10-14</a:t>
+              <a:t>2024-11-18</a:t>
             </a:fld>
             <a:endParaRPr lang="ko-KR" altLang="en-US"/>
           </a:p>
@@ -1851,7 +1851,7 @@
           <a:p>
             <a:fld id="{3607E7B2-F448-4C9B-9490-B10F5F0BF21F}" type="datetimeFigureOut">
               <a:rPr lang="ko-KR" altLang="en-US" smtClean="0"/>
-              <a:t>2024-10-14</a:t>
+              <a:t>2024-11-18</a:t>
             </a:fld>
             <a:endParaRPr lang="ko-KR" altLang="en-US"/>
           </a:p>
@@ -2263,7 +2263,7 @@
           <a:p>
             <a:fld id="{3607E7B2-F448-4C9B-9490-B10F5F0BF21F}" type="datetimeFigureOut">
               <a:rPr lang="ko-KR" altLang="en-US" smtClean="0"/>
-              <a:t>2024-10-14</a:t>
+              <a:t>2024-11-18</a:t>
             </a:fld>
             <a:endParaRPr lang="ko-KR" altLang="en-US"/>
           </a:p>
@@ -2404,7 +2404,7 @@
           <a:p>
             <a:fld id="{3607E7B2-F448-4C9B-9490-B10F5F0BF21F}" type="datetimeFigureOut">
               <a:rPr lang="ko-KR" altLang="en-US" smtClean="0"/>
-              <a:t>2024-10-14</a:t>
+              <a:t>2024-11-18</a:t>
             </a:fld>
             <a:endParaRPr lang="ko-KR" altLang="en-US"/>
           </a:p>
@@ -2517,7 +2517,7 @@
           <a:p>
             <a:fld id="{3607E7B2-F448-4C9B-9490-B10F5F0BF21F}" type="datetimeFigureOut">
               <a:rPr lang="ko-KR" altLang="en-US" smtClean="0"/>
-              <a:t>2024-10-14</a:t>
+              <a:t>2024-11-18</a:t>
             </a:fld>
             <a:endParaRPr lang="ko-KR" altLang="en-US"/>
           </a:p>
@@ -2828,7 +2828,7 @@
           <a:p>
             <a:fld id="{3607E7B2-F448-4C9B-9490-B10F5F0BF21F}" type="datetimeFigureOut">
               <a:rPr lang="ko-KR" altLang="en-US" smtClean="0"/>
-              <a:t>2024-10-14</a:t>
+              <a:t>2024-11-18</a:t>
             </a:fld>
             <a:endParaRPr lang="ko-KR" altLang="en-US"/>
           </a:p>
@@ -3116,7 +3116,7 @@
           <a:p>
             <a:fld id="{3607E7B2-F448-4C9B-9490-B10F5F0BF21F}" type="datetimeFigureOut">
               <a:rPr lang="ko-KR" altLang="en-US" smtClean="0"/>
-              <a:t>2024-10-14</a:t>
+              <a:t>2024-11-18</a:t>
             </a:fld>
             <a:endParaRPr lang="ko-KR" altLang="en-US"/>
           </a:p>
@@ -3357,7 +3357,7 @@
           <a:p>
             <a:fld id="{3607E7B2-F448-4C9B-9490-B10F5F0BF21F}" type="datetimeFigureOut">
               <a:rPr lang="ko-KR" altLang="en-US" smtClean="0"/>
-              <a:t>2024-10-14</a:t>
+              <a:t>2024-11-18</a:t>
             </a:fld>
             <a:endParaRPr lang="ko-KR" altLang="en-US"/>
           </a:p>
@@ -4251,11 +4251,11 @@
   <p:clrMapOvr>
     <a:masterClrMapping/>
   </p:clrMapOvr>
-  <mc:AlternateContent xmlns:mc="http://schemas.openxmlformats.org/markup-compatibility/2006">
-    <mc:Choice xmlns:p14="http://schemas.microsoft.com/office/powerpoint/2010/main" Requires="p14">
+  <mc:AlternateContent xmlns:mc="http://schemas.openxmlformats.org/markup-compatibility/2006" xmlns:p14="http://schemas.microsoft.com/office/powerpoint/2010/main">
+    <mc:Choice Requires="p14">
       <p:transition spd="slow" p14:dur="2000" advTm="8097"/>
     </mc:Choice>
-    <mc:Fallback>
+    <mc:Fallback xmlns="">
       <p:transition spd="slow" advTm="8097"/>
     </mc:Fallback>
   </mc:AlternateContent>
@@ -4514,11 +4514,11 @@
   <p:clrMapOvr>
     <a:masterClrMapping/>
   </p:clrMapOvr>
-  <mc:AlternateContent xmlns:mc="http://schemas.openxmlformats.org/markup-compatibility/2006">
-    <mc:Choice xmlns:p14="http://schemas.microsoft.com/office/powerpoint/2010/main" Requires="p14">
+  <mc:AlternateContent xmlns:mc="http://schemas.openxmlformats.org/markup-compatibility/2006" xmlns:p14="http://schemas.microsoft.com/office/powerpoint/2010/main">
+    <mc:Choice Requires="p14">
       <p:transition spd="slow" p14:dur="2000" advTm="11964"/>
     </mc:Choice>
-    <mc:Fallback>
+    <mc:Fallback xmlns="">
       <p:transition spd="slow" advTm="11964"/>
     </mc:Fallback>
   </mc:AlternateContent>
@@ -4786,11 +4786,11 @@
   <p:clrMapOvr>
     <a:masterClrMapping/>
   </p:clrMapOvr>
-  <mc:AlternateContent xmlns:mc="http://schemas.openxmlformats.org/markup-compatibility/2006">
-    <mc:Choice xmlns:p14="http://schemas.microsoft.com/office/powerpoint/2010/main" Requires="p14">
+  <mc:AlternateContent xmlns:mc="http://schemas.openxmlformats.org/markup-compatibility/2006" xmlns:p14="http://schemas.microsoft.com/office/powerpoint/2010/main">
+    <mc:Choice Requires="p14">
       <p:transition spd="slow" p14:dur="2000" advTm="20408"/>
     </mc:Choice>
-    <mc:Fallback>
+    <mc:Fallback xmlns="">
       <p:transition spd="slow" advTm="20408"/>
     </mc:Fallback>
   </mc:AlternateContent>
@@ -5121,11 +5121,11 @@
   <p:clrMapOvr>
     <a:masterClrMapping/>
   </p:clrMapOvr>
-  <mc:AlternateContent xmlns:mc="http://schemas.openxmlformats.org/markup-compatibility/2006">
-    <mc:Choice xmlns:p14="http://schemas.microsoft.com/office/powerpoint/2010/main" Requires="p14">
+  <mc:AlternateContent xmlns:mc="http://schemas.openxmlformats.org/markup-compatibility/2006" xmlns:p14="http://schemas.microsoft.com/office/powerpoint/2010/main">
+    <mc:Choice Requires="p14">
       <p:transition spd="slow" p14:dur="2000" advTm="16266"/>
     </mc:Choice>
-    <mc:Fallback>
+    <mc:Fallback xmlns="">
       <p:transition spd="slow" advTm="16266"/>
     </mc:Fallback>
   </mc:AlternateContent>
@@ -5280,14 +5280,14 @@
             <p:ph idx="1"/>
             <p:extLst>
               <p:ext uri="{D42A27DB-BD31-4B8C-83A1-F6EECF244321}">
-                <p14:modId xmlns:p14="http://schemas.microsoft.com/office/powerpoint/2010/main" val="1502954145"/>
+                <p14:modId xmlns:p14="http://schemas.microsoft.com/office/powerpoint/2010/main" val="3643179475"/>
               </p:ext>
             </p:extLst>
           </p:nvPr>
         </p:nvGraphicFramePr>
         <p:xfrm>
-          <a:off x="838200" y="1825625"/>
-          <a:ext cx="10515598" cy="3364230"/>
+          <a:off x="838200" y="1755144"/>
+          <a:ext cx="10515598" cy="3964716"/>
         </p:xfrm>
         <a:graphic>
           <a:graphicData uri="http://schemas.openxmlformats.org/drawingml/2006/table">
@@ -5311,7 +5311,7 @@
                   </a:extLst>
                 </a:gridCol>
               </a:tblGrid>
-              <a:tr h="185420">
+              <a:tr h="440524">
                 <a:tc>
                   <a:txBody>
                     <a:bodyPr/>
@@ -5326,7 +5326,7 @@
                   </a:txBody>
                   <a:tcPr/>
                 </a:tc>
-                <a:tc rowSpan="2">
+                <a:tc>
                   <a:txBody>
                     <a:bodyPr/>
                     <a:lstStyle/>
@@ -5346,8 +5346,8 @@
                   </a:ext>
                 </a:extLst>
               </a:tr>
-              <a:tr h="0">
-                <a:tc rowSpan="2">
+              <a:tr h="440524">
+                <a:tc>
                   <a:txBody>
                     <a:bodyPr/>
                     <a:lstStyle/>
@@ -5365,36 +5365,7 @@
                   </a:txBody>
                   <a:tcPr/>
                 </a:tc>
-                <a:tc vMerge="1">
-                  <a:txBody>
-                    <a:bodyPr/>
-                    <a:lstStyle/>
-                    <a:p>
-                      <a:pPr latinLnBrk="1"/>
-                      <a:endParaRPr lang="ko-KR" altLang="en-US" dirty="0"/>
-                    </a:p>
-                  </a:txBody>
-                  <a:tcPr/>
-                </a:tc>
-                <a:extLst>
-                  <a:ext uri="{0D108BD9-81ED-4DB2-BD59-A6C34878D82A}">
-                    <a16:rowId xmlns:a16="http://schemas.microsoft.com/office/drawing/2014/main" val="716606951"/>
-                  </a:ext>
-                </a:extLst>
-              </a:tr>
-              <a:tr h="315595">
-                <a:tc vMerge="1">
-                  <a:txBody>
-                    <a:bodyPr/>
-                    <a:lstStyle/>
-                    <a:p>
-                      <a:pPr latinLnBrk="1"/>
-                      <a:endParaRPr lang="ko-KR" altLang="en-US"/>
-                    </a:p>
-                  </a:txBody>
-                  <a:tcPr/>
-                </a:tc>
-                <a:tc rowSpan="2">
+                <a:tc>
                   <a:txBody>
                     <a:bodyPr/>
                     <a:lstStyle/>
@@ -5414,8 +5385,8 @@
                   </a:ext>
                 </a:extLst>
               </a:tr>
-              <a:tr h="0">
-                <a:tc rowSpan="2">
+              <a:tr h="440524">
+                <a:tc>
                   <a:txBody>
                     <a:bodyPr/>
                     <a:lstStyle/>
@@ -5433,36 +5404,7 @@
                   </a:txBody>
                   <a:tcPr/>
                 </a:tc>
-                <a:tc vMerge="1">
-                  <a:txBody>
-                    <a:bodyPr/>
-                    <a:lstStyle/>
-                    <a:p>
-                      <a:pPr latinLnBrk="1"/>
-                      <a:endParaRPr lang="ko-KR" altLang="en-US" dirty="0"/>
-                    </a:p>
-                  </a:txBody>
-                  <a:tcPr/>
-                </a:tc>
-                <a:extLst>
-                  <a:ext uri="{0D108BD9-81ED-4DB2-BD59-A6C34878D82A}">
-                    <a16:rowId xmlns:a16="http://schemas.microsoft.com/office/drawing/2014/main" val="948217492"/>
-                  </a:ext>
-                </a:extLst>
-              </a:tr>
-              <a:tr h="270510">
-                <a:tc vMerge="1">
-                  <a:txBody>
-                    <a:bodyPr/>
-                    <a:lstStyle/>
-                    <a:p>
-                      <a:pPr latinLnBrk="1"/>
-                      <a:endParaRPr lang="ko-KR" altLang="en-US"/>
-                    </a:p>
-                  </a:txBody>
-                  <a:tcPr/>
-                </a:tc>
-                <a:tc rowSpan="2">
+                <a:tc>
                   <a:txBody>
                     <a:bodyPr/>
                     <a:lstStyle/>
@@ -5498,8 +5440,8 @@
                   </a:ext>
                 </a:extLst>
               </a:tr>
-              <a:tr h="145415">
-                <a:tc rowSpan="2">
+              <a:tr h="440524">
+                <a:tc>
                   <a:txBody>
                     <a:bodyPr/>
                     <a:lstStyle/>
@@ -5517,36 +5459,7 @@
                   </a:txBody>
                   <a:tcPr/>
                 </a:tc>
-                <a:tc vMerge="1">
-                  <a:txBody>
-                    <a:bodyPr/>
-                    <a:lstStyle/>
-                    <a:p>
-                      <a:pPr latinLnBrk="1"/>
-                      <a:endParaRPr lang="ko-KR" altLang="en-US"/>
-                    </a:p>
-                  </a:txBody>
-                  <a:tcPr/>
-                </a:tc>
-                <a:extLst>
-                  <a:ext uri="{0D108BD9-81ED-4DB2-BD59-A6C34878D82A}">
-                    <a16:rowId xmlns:a16="http://schemas.microsoft.com/office/drawing/2014/main" val="2183367787"/>
-                  </a:ext>
-                </a:extLst>
-              </a:tr>
-              <a:tr h="225425">
-                <a:tc vMerge="1">
-                  <a:txBody>
-                    <a:bodyPr/>
-                    <a:lstStyle/>
-                    <a:p>
-                      <a:pPr latinLnBrk="1"/>
-                      <a:endParaRPr lang="ko-KR" altLang="en-US"/>
-                    </a:p>
-                  </a:txBody>
-                  <a:tcPr/>
-                </a:tc>
-                <a:tc rowSpan="2">
+                <a:tc>
                   <a:txBody>
                     <a:bodyPr/>
                     <a:lstStyle/>
@@ -5594,8 +5507,8 @@
                   </a:ext>
                 </a:extLst>
               </a:tr>
-              <a:tr h="190500">
-                <a:tc rowSpan="2">
+              <a:tr h="440524">
+                <a:tc>
                   <a:txBody>
                     <a:bodyPr/>
                     <a:lstStyle/>
@@ -5613,36 +5526,7 @@
                   </a:txBody>
                   <a:tcPr/>
                 </a:tc>
-                <a:tc vMerge="1">
-                  <a:txBody>
-                    <a:bodyPr/>
-                    <a:lstStyle/>
-                    <a:p>
-                      <a:pPr latinLnBrk="1"/>
-                      <a:endParaRPr lang="ko-KR" altLang="en-US"/>
-                    </a:p>
-                  </a:txBody>
-                  <a:tcPr/>
-                </a:tc>
-                <a:extLst>
-                  <a:ext uri="{0D108BD9-81ED-4DB2-BD59-A6C34878D82A}">
-                    <a16:rowId xmlns:a16="http://schemas.microsoft.com/office/drawing/2014/main" val="3194045778"/>
-                  </a:ext>
-                </a:extLst>
-              </a:tr>
-              <a:tr h="180340">
-                <a:tc vMerge="1">
-                  <a:txBody>
-                    <a:bodyPr/>
-                    <a:lstStyle/>
-                    <a:p>
-                      <a:pPr latinLnBrk="1"/>
-                      <a:endParaRPr lang="ko-KR" altLang="en-US"/>
-                    </a:p>
-                  </a:txBody>
-                  <a:tcPr/>
-                </a:tc>
-                <a:tc rowSpan="2">
+                <a:tc>
                   <a:txBody>
                     <a:bodyPr/>
                     <a:lstStyle/>
@@ -5670,8 +5554,8 @@
                   </a:ext>
                 </a:extLst>
               </a:tr>
-              <a:tr h="235585">
-                <a:tc rowSpan="2">
+              <a:tr h="440524">
+                <a:tc>
                   <a:txBody>
                     <a:bodyPr/>
                     <a:lstStyle/>
@@ -5689,36 +5573,7 @@
                   </a:txBody>
                   <a:tcPr/>
                 </a:tc>
-                <a:tc vMerge="1">
-                  <a:txBody>
-                    <a:bodyPr/>
-                    <a:lstStyle/>
-                    <a:p>
-                      <a:pPr latinLnBrk="1"/>
-                      <a:endParaRPr lang="ko-KR" altLang="en-US"/>
-                    </a:p>
-                  </a:txBody>
-                  <a:tcPr/>
-                </a:tc>
-                <a:extLst>
-                  <a:ext uri="{0D108BD9-81ED-4DB2-BD59-A6C34878D82A}">
-                    <a16:rowId xmlns:a16="http://schemas.microsoft.com/office/drawing/2014/main" val="409216676"/>
-                  </a:ext>
-                </a:extLst>
-              </a:tr>
-              <a:tr h="135255">
-                <a:tc vMerge="1">
-                  <a:txBody>
-                    <a:bodyPr/>
-                    <a:lstStyle/>
-                    <a:p>
-                      <a:pPr latinLnBrk="1"/>
-                      <a:endParaRPr lang="ko-KR" altLang="en-US"/>
-                    </a:p>
-                  </a:txBody>
-                  <a:tcPr/>
-                </a:tc>
-                <a:tc rowSpan="2">
+                <a:tc>
                   <a:txBody>
                     <a:bodyPr/>
                     <a:lstStyle/>
@@ -5738,8 +5593,8 @@
                   </a:ext>
                 </a:extLst>
               </a:tr>
-              <a:tr h="280670">
-                <a:tc rowSpan="2">
+              <a:tr h="440524">
+                <a:tc>
                   <a:txBody>
                     <a:bodyPr/>
                     <a:lstStyle/>
@@ -5757,36 +5612,7 @@
                   </a:txBody>
                   <a:tcPr/>
                 </a:tc>
-                <a:tc vMerge="1">
-                  <a:txBody>
-                    <a:bodyPr/>
-                    <a:lstStyle/>
-                    <a:p>
-                      <a:pPr latinLnBrk="1"/>
-                      <a:endParaRPr lang="ko-KR" altLang="en-US"/>
-                    </a:p>
-                  </a:txBody>
-                  <a:tcPr/>
-                </a:tc>
-                <a:extLst>
-                  <a:ext uri="{0D108BD9-81ED-4DB2-BD59-A6C34878D82A}">
-                    <a16:rowId xmlns:a16="http://schemas.microsoft.com/office/drawing/2014/main" val="1776518669"/>
-                  </a:ext>
-                </a:extLst>
-              </a:tr>
-              <a:tr h="0">
-                <a:tc vMerge="1">
-                  <a:txBody>
-                    <a:bodyPr/>
-                    <a:lstStyle/>
-                    <a:p>
-                      <a:pPr latinLnBrk="1"/>
-                      <a:endParaRPr lang="ko-KR" altLang="en-US"/>
-                    </a:p>
-                  </a:txBody>
-                  <a:tcPr/>
-                </a:tc>
-                <a:tc rowSpan="2">
+                <a:tc>
                   <a:txBody>
                     <a:bodyPr/>
                     <a:lstStyle/>
@@ -5802,12 +5628,12 @@
                 </a:tc>
                 <a:extLst>
                   <a:ext uri="{0D108BD9-81ED-4DB2-BD59-A6C34878D82A}">
-                    <a16:rowId xmlns:a16="http://schemas.microsoft.com/office/drawing/2014/main" val="391656938"/>
+                    <a16:rowId xmlns:a16="http://schemas.microsoft.com/office/drawing/2014/main" val="1776518669"/>
                   </a:ext>
                 </a:extLst>
               </a:tr>
-              <a:tr h="325755">
-                <a:tc rowSpan="2">
+              <a:tr h="440524">
+                <a:tc>
                   <a:txBody>
                     <a:bodyPr/>
                     <a:lstStyle/>
@@ -5825,44 +5651,31 @@
                   </a:txBody>
                   <a:tcPr/>
                 </a:tc>
-                <a:tc vMerge="1">
+                <a:tc>
                   <a:txBody>
                     <a:bodyPr/>
                     <a:lstStyle/>
                     <a:p>
-                      <a:pPr latinLnBrk="1"/>
-                      <a:endParaRPr lang="ko-KR" altLang="en-US"/>
-                    </a:p>
-                  </a:txBody>
-                  <a:tcPr/>
-                </a:tc>
-                <a:extLst>
-                  <a:ext uri="{0D108BD9-81ED-4DB2-BD59-A6C34878D82A}">
-                    <a16:rowId xmlns:a16="http://schemas.microsoft.com/office/drawing/2014/main" val="3560489017"/>
-                  </a:ext>
-                </a:extLst>
-              </a:tr>
-              <a:tr h="0">
-                <a:tc vMerge="1">
-                  <a:txBody>
-                    <a:bodyPr/>
-                    <a:lstStyle/>
-                    <a:p>
-                      <a:pPr latinLnBrk="1"/>
-                      <a:endParaRPr lang="ko-KR" altLang="en-US"/>
-                    </a:p>
-                  </a:txBody>
-                  <a:tcPr/>
-                </a:tc>
-                <a:tc rowSpan="2">
-                  <a:txBody>
-                    <a:bodyPr/>
-                    <a:lstStyle/>
-                    <a:p>
-                      <a:pPr latinLnBrk="1"/>
+                      <a:pPr marL="0" marR="0" lvl="0" indent="0" algn="l" defTabSz="914400" rtl="0" eaLnBrk="1" fontAlgn="auto" latinLnBrk="1" hangingPunct="1">
+                        <a:lnSpc>
+                          <a:spcPct val="100000"/>
+                        </a:lnSpc>
+                        <a:spcBef>
+                          <a:spcPts val="0"/>
+                        </a:spcBef>
+                        <a:spcAft>
+                          <a:spcPts val="0"/>
+                        </a:spcAft>
+                        <a:buClrTx/>
+                        <a:buSzTx/>
+                        <a:buFontTx/>
+                        <a:buNone/>
+                        <a:tabLst/>
+                        <a:defRPr/>
+                      </a:pPr>
                       <a:r>
                         <a:rPr lang="ko-KR" altLang="en-US" dirty="0"/>
-                        <a:t>기타 버그 수정 및 최적화</a:t>
+                        <a:t>테스트 및 개선</a:t>
                       </a:r>
                     </a:p>
                   </a:txBody>
@@ -5870,11 +5683,11 @@
                 </a:tc>
                 <a:extLst>
                   <a:ext uri="{0D108BD9-81ED-4DB2-BD59-A6C34878D82A}">
-                    <a16:rowId xmlns:a16="http://schemas.microsoft.com/office/drawing/2014/main" val="2181250137"/>
+                    <a16:rowId xmlns:a16="http://schemas.microsoft.com/office/drawing/2014/main" val="1788504891"/>
                   </a:ext>
                 </a:extLst>
               </a:tr>
-              <a:tr h="370840">
+              <a:tr h="440524">
                 <a:tc>
                   <a:txBody>
                     <a:bodyPr/>
@@ -5893,20 +5706,23 @@
                   </a:txBody>
                   <a:tcPr/>
                 </a:tc>
-                <a:tc vMerge="1">
+                <a:tc>
                   <a:txBody>
                     <a:bodyPr/>
                     <a:lstStyle/>
                     <a:p>
                       <a:pPr latinLnBrk="1"/>
-                      <a:endParaRPr lang="ko-KR" altLang="en-US"/>
+                      <a:r>
+                        <a:rPr lang="ko-KR" altLang="en-US" dirty="0"/>
+                        <a:t>기타 버그 수정 및 최적화</a:t>
+                      </a:r>
                     </a:p>
                   </a:txBody>
                   <a:tcPr/>
                 </a:tc>
                 <a:extLst>
                   <a:ext uri="{0D108BD9-81ED-4DB2-BD59-A6C34878D82A}">
-                    <a16:rowId xmlns:a16="http://schemas.microsoft.com/office/drawing/2014/main" val="4007241483"/>
+                    <a16:rowId xmlns:a16="http://schemas.microsoft.com/office/drawing/2014/main" val="1438818748"/>
                   </a:ext>
                 </a:extLst>
               </a:tr>
@@ -5945,7 +5761,7 @@
         </p:blipFill>
         <p:spPr>
           <a:xfrm>
-            <a:off x="10052304" y="4718304"/>
+            <a:off x="10052304" y="4800600"/>
             <a:ext cx="2057400" cy="2057400"/>
           </a:xfrm>
           <a:prstGeom prst="ellipse">
@@ -5963,11 +5779,11 @@
   <p:clrMapOvr>
     <a:masterClrMapping/>
   </p:clrMapOvr>
-  <mc:AlternateContent xmlns:mc="http://schemas.openxmlformats.org/markup-compatibility/2006">
-    <mc:Choice xmlns:p14="http://schemas.microsoft.com/office/powerpoint/2010/main" Requires="p14">
+  <mc:AlternateContent xmlns:mc="http://schemas.openxmlformats.org/markup-compatibility/2006" xmlns:p14="http://schemas.microsoft.com/office/powerpoint/2010/main">
+    <mc:Choice Requires="p14">
       <p:transition spd="slow" p14:dur="2000" advTm="16621"/>
     </mc:Choice>
-    <mc:Fallback>
+    <mc:Fallback xmlns="">
       <p:transition spd="slow" advTm="16621"/>
     </mc:Fallback>
   </mc:AlternateContent>
